--- a/PRESENTAZIONE_TESI/presentazione_agostini_stefano_16_9.pptx
+++ b/PRESENTAZIONE_TESI/presentazione_agostini_stefano_16_9.pptx
@@ -189,7 +189,7 @@
       </p14:sectionLst>
     </p:ext>
     <p:ext uri="{EFAFB233-063F-42B5-8137-9DF3F51BA10A}">
-      <p15:sldGuideLst xmlns:p15="http://schemas.microsoft.com/office/powerpoint/2012/main" xmlns="">
+      <p15:sldGuideLst xmlns="" xmlns:p15="http://schemas.microsoft.com/office/powerpoint/2012/main">
         <p15:guide id="1" orient="horz" pos="2160">
           <p15:clr>
             <a:srgbClr val="A4A3A4"/>
@@ -4323,7 +4323,7 @@
           <p:cNvPr id="8" name="Immagine 7">
             <a:extLst>
               <a:ext uri="{FF2B5EF4-FFF2-40B4-BE49-F238E27FC236}">
-                <a16:creationId xmlns:a16="http://schemas.microsoft.com/office/drawing/2014/main" xmlns="" id="{A1106E1C-ABC5-4AA2-A6C2-B115CAA9597B}"/>
+                <a16:creationId xmlns="" xmlns:a16="http://schemas.microsoft.com/office/drawing/2014/main" id="{A1106E1C-ABC5-4AA2-A6C2-B115CAA9597B}"/>
               </a:ext>
             </a:extLst>
           </p:cNvPr>
@@ -4659,7 +4659,7 @@
           <p:cNvPr id="5" name="Title 3">
             <a:extLst>
               <a:ext uri="{FF2B5EF4-FFF2-40B4-BE49-F238E27FC236}">
-                <a16:creationId xmlns:a16="http://schemas.microsoft.com/office/drawing/2014/main" xmlns="" id="{189ECF77-714F-4D2C-9D4B-CC43534EF427}"/>
+                <a16:creationId xmlns="" xmlns:a16="http://schemas.microsoft.com/office/drawing/2014/main" id="{189ECF77-714F-4D2C-9D4B-CC43534EF427}"/>
               </a:ext>
             </a:extLst>
           </p:cNvPr>
@@ -5456,7 +5456,7 @@
           <p:cNvPr id="5" name="Title 3">
             <a:extLst>
               <a:ext uri="{FF2B5EF4-FFF2-40B4-BE49-F238E27FC236}">
-                <a16:creationId xmlns:a16="http://schemas.microsoft.com/office/drawing/2014/main" xmlns="" id="{189ECF77-714F-4D2C-9D4B-CC43534EF427}"/>
+                <a16:creationId xmlns="" xmlns:a16="http://schemas.microsoft.com/office/drawing/2014/main" id="{189ECF77-714F-4D2C-9D4B-CC43534EF427}"/>
               </a:ext>
             </a:extLst>
           </p:cNvPr>
@@ -6359,7 +6359,7 @@
           <p:cNvPr id="5" name="Title 3">
             <a:extLst>
               <a:ext uri="{FF2B5EF4-FFF2-40B4-BE49-F238E27FC236}">
-                <a16:creationId xmlns:a16="http://schemas.microsoft.com/office/drawing/2014/main" xmlns="" id="{189ECF77-714F-4D2C-9D4B-CC43534EF427}"/>
+                <a16:creationId xmlns="" xmlns:a16="http://schemas.microsoft.com/office/drawing/2014/main" id="{189ECF77-714F-4D2C-9D4B-CC43534EF427}"/>
               </a:ext>
             </a:extLst>
           </p:cNvPr>
@@ -6786,7 +6786,7 @@
           <p:cNvPr id="5" name="Title 3">
             <a:extLst>
               <a:ext uri="{FF2B5EF4-FFF2-40B4-BE49-F238E27FC236}">
-                <a16:creationId xmlns:a16="http://schemas.microsoft.com/office/drawing/2014/main" xmlns="" id="{189ECF77-714F-4D2C-9D4B-CC43534EF427}"/>
+                <a16:creationId xmlns="" xmlns:a16="http://schemas.microsoft.com/office/drawing/2014/main" id="{189ECF77-714F-4D2C-9D4B-CC43534EF427}"/>
               </a:ext>
             </a:extLst>
           </p:cNvPr>
@@ -7001,7 +7001,7 @@
           <p:cNvPr id="4" name="Title 3">
             <a:extLst>
               <a:ext uri="{FF2B5EF4-FFF2-40B4-BE49-F238E27FC236}">
-                <a16:creationId xmlns:a16="http://schemas.microsoft.com/office/drawing/2014/main" xmlns="" id="{189ECF77-714F-4D2C-9D4B-CC43534EF427}"/>
+                <a16:creationId xmlns="" xmlns:a16="http://schemas.microsoft.com/office/drawing/2014/main" id="{189ECF77-714F-4D2C-9D4B-CC43534EF427}"/>
               </a:ext>
             </a:extLst>
           </p:cNvPr>
@@ -7056,7 +7056,7 @@
           <p:cNvPr id="6" name="Group 623">
             <a:extLst>
               <a:ext uri="{FF2B5EF4-FFF2-40B4-BE49-F238E27FC236}">
-                <a16:creationId xmlns:a16="http://schemas.microsoft.com/office/drawing/2014/main" xmlns="" id="{AA4FCC27-C7D4-4343-B033-13B6C83DC905}"/>
+                <a16:creationId xmlns="" xmlns:a16="http://schemas.microsoft.com/office/drawing/2014/main" id="{AA4FCC27-C7D4-4343-B033-13B6C83DC905}"/>
               </a:ext>
             </a:extLst>
           </p:cNvPr>
@@ -7076,7 +7076,7 @@
             <p:cNvPr id="7" name="Freeform 538">
               <a:extLst>
                 <a:ext uri="{FF2B5EF4-FFF2-40B4-BE49-F238E27FC236}">
-                  <a16:creationId xmlns:a16="http://schemas.microsoft.com/office/drawing/2014/main" xmlns="" id="{3776C4DA-4E41-4098-AEDB-2C371B14EB8B}"/>
+                  <a16:creationId xmlns="" xmlns:a16="http://schemas.microsoft.com/office/drawing/2014/main" id="{3776C4DA-4E41-4098-AEDB-2C371B14EB8B}"/>
                 </a:ext>
               </a:extLst>
             </p:cNvPr>
@@ -7290,7 +7290,7 @@
             <p:cNvPr id="8" name="Freeform 542">
               <a:extLst>
                 <a:ext uri="{FF2B5EF4-FFF2-40B4-BE49-F238E27FC236}">
-                  <a16:creationId xmlns:a16="http://schemas.microsoft.com/office/drawing/2014/main" xmlns="" id="{BBD90813-EA96-440A-94D3-CB2D6F892D34}"/>
+                  <a16:creationId xmlns="" xmlns:a16="http://schemas.microsoft.com/office/drawing/2014/main" id="{BBD90813-EA96-440A-94D3-CB2D6F892D34}"/>
                 </a:ext>
               </a:extLst>
             </p:cNvPr>
@@ -7504,7 +7504,7 @@
             <p:cNvPr id="9" name="Freeform: Shape 616">
               <a:extLst>
                 <a:ext uri="{FF2B5EF4-FFF2-40B4-BE49-F238E27FC236}">
-                  <a16:creationId xmlns:a16="http://schemas.microsoft.com/office/drawing/2014/main" xmlns="" id="{284E245F-3566-43D1-B56C-8CC7026A0D22}"/>
+                  <a16:creationId xmlns="" xmlns:a16="http://schemas.microsoft.com/office/drawing/2014/main" id="{284E245F-3566-43D1-B56C-8CC7026A0D22}"/>
                 </a:ext>
               </a:extLst>
             </p:cNvPr>
@@ -7983,7 +7983,7 @@
             <p:cNvPr id="10" name="Freeform 551">
               <a:extLst>
                 <a:ext uri="{FF2B5EF4-FFF2-40B4-BE49-F238E27FC236}">
-                  <a16:creationId xmlns:a16="http://schemas.microsoft.com/office/drawing/2014/main" xmlns="" id="{112FAF63-149F-4078-92F8-E980CF799812}"/>
+                  <a16:creationId xmlns="" xmlns:a16="http://schemas.microsoft.com/office/drawing/2014/main" id="{112FAF63-149F-4078-92F8-E980CF799812}"/>
                 </a:ext>
               </a:extLst>
             </p:cNvPr>
@@ -8197,7 +8197,7 @@
             <p:cNvPr id="11" name="Freeform 554">
               <a:extLst>
                 <a:ext uri="{FF2B5EF4-FFF2-40B4-BE49-F238E27FC236}">
-                  <a16:creationId xmlns:a16="http://schemas.microsoft.com/office/drawing/2014/main" xmlns="" id="{3A764CCA-B3FA-43EA-B2A1-38E0C402312F}"/>
+                  <a16:creationId xmlns="" xmlns:a16="http://schemas.microsoft.com/office/drawing/2014/main" id="{3A764CCA-B3FA-43EA-B2A1-38E0C402312F}"/>
                 </a:ext>
               </a:extLst>
             </p:cNvPr>
@@ -8582,7 +8582,7 @@
             <p:cNvPr id="12" name="Freeform 555">
               <a:extLst>
                 <a:ext uri="{FF2B5EF4-FFF2-40B4-BE49-F238E27FC236}">
-                  <a16:creationId xmlns:a16="http://schemas.microsoft.com/office/drawing/2014/main" xmlns="" id="{50B0CAB1-1A8A-4809-B0FA-4DD1006EC5D4}"/>
+                  <a16:creationId xmlns="" xmlns:a16="http://schemas.microsoft.com/office/drawing/2014/main" id="{50B0CAB1-1A8A-4809-B0FA-4DD1006EC5D4}"/>
                 </a:ext>
               </a:extLst>
             </p:cNvPr>
@@ -8796,7 +8796,7 @@
             <p:cNvPr id="13" name="Freeform 557">
               <a:extLst>
                 <a:ext uri="{FF2B5EF4-FFF2-40B4-BE49-F238E27FC236}">
-                  <a16:creationId xmlns:a16="http://schemas.microsoft.com/office/drawing/2014/main" xmlns="" id="{7B4680AF-0DA9-4C5B-AB71-A42778FC1863}"/>
+                  <a16:creationId xmlns="" xmlns:a16="http://schemas.microsoft.com/office/drawing/2014/main" id="{7B4680AF-0DA9-4C5B-AB71-A42778FC1863}"/>
                 </a:ext>
               </a:extLst>
             </p:cNvPr>
@@ -9181,7 +9181,7 @@
             <p:cNvPr id="14" name="Freeform 558">
               <a:extLst>
                 <a:ext uri="{FF2B5EF4-FFF2-40B4-BE49-F238E27FC236}">
-                  <a16:creationId xmlns:a16="http://schemas.microsoft.com/office/drawing/2014/main" xmlns="" id="{6974A587-E447-4EC3-9B72-2BFC27A286A2}"/>
+                  <a16:creationId xmlns="" xmlns:a16="http://schemas.microsoft.com/office/drawing/2014/main" id="{6974A587-E447-4EC3-9B72-2BFC27A286A2}"/>
                 </a:ext>
               </a:extLst>
             </p:cNvPr>
@@ -9395,7 +9395,7 @@
             <p:cNvPr id="15" name="Freeform 560">
               <a:extLst>
                 <a:ext uri="{FF2B5EF4-FFF2-40B4-BE49-F238E27FC236}">
-                  <a16:creationId xmlns:a16="http://schemas.microsoft.com/office/drawing/2014/main" xmlns="" id="{A696F24D-3A6B-4107-B6F2-9A3F2F0D138B}"/>
+                  <a16:creationId xmlns="" xmlns:a16="http://schemas.microsoft.com/office/drawing/2014/main" id="{A696F24D-3A6B-4107-B6F2-9A3F2F0D138B}"/>
                 </a:ext>
               </a:extLst>
             </p:cNvPr>
@@ -9971,7 +9971,7 @@
           <p:cNvPr id="20" name="Picture 2" descr="Immagine correlata">
             <a:extLst>
               <a:ext uri="{FF2B5EF4-FFF2-40B4-BE49-F238E27FC236}">
-                <a16:creationId xmlns:a16="http://schemas.microsoft.com/office/drawing/2014/main" xmlns="" id="{4DEEC977-158D-4FF8-A634-FED5C0A1F149}"/>
+                <a16:creationId xmlns="" xmlns:a16="http://schemas.microsoft.com/office/drawing/2014/main" id="{4DEEC977-158D-4FF8-A634-FED5C0A1F149}"/>
               </a:ext>
             </a:extLst>
           </p:cNvPr>
@@ -10655,7 +10655,7 @@
           <p:cNvPr id="5" name="Title 3">
             <a:extLst>
               <a:ext uri="{FF2B5EF4-FFF2-40B4-BE49-F238E27FC236}">
-                <a16:creationId xmlns:a16="http://schemas.microsoft.com/office/drawing/2014/main" xmlns="" id="{AC6A7350-ED1C-43B0-B2CF-A496AF50ADAB}"/>
+                <a16:creationId xmlns="" xmlns:a16="http://schemas.microsoft.com/office/drawing/2014/main" id="{AC6A7350-ED1C-43B0-B2CF-A496AF50ADAB}"/>
               </a:ext>
             </a:extLst>
           </p:cNvPr>
@@ -10740,7 +10740,7 @@
           <p:cNvPr id="6" name="Rettangolo 5">
             <a:extLst>
               <a:ext uri="{FF2B5EF4-FFF2-40B4-BE49-F238E27FC236}">
-                <a16:creationId xmlns:a16="http://schemas.microsoft.com/office/drawing/2014/main" xmlns="" id="{E9D808D5-ED83-4266-B4A6-F11548B6FDF4}"/>
+                <a16:creationId xmlns="" xmlns:a16="http://schemas.microsoft.com/office/drawing/2014/main" id="{E9D808D5-ED83-4266-B4A6-F11548B6FDF4}"/>
               </a:ext>
             </a:extLst>
           </p:cNvPr>
@@ -10750,7 +10750,7 @@
         <p:spPr>
           <a:xfrm>
             <a:off x="1619672" y="1014718"/>
-            <a:ext cx="7524328" cy="4524315"/>
+            <a:ext cx="7524328" cy="3970318"/>
           </a:xfrm>
           <a:prstGeom prst="rect">
             <a:avLst/>
@@ -11199,44 +11199,6 @@
                 <a:cs typeface="Calibri" panose="020F0502020204030204" pitchFamily="34" charset="0"/>
               </a:rPr>
               <a:t>. </a:t>
-            </a:r>
-          </a:p>
-          <a:p>
-            <a:pPr algn="just"/>
-            <a:r>
-              <a:rPr lang="it-IT" dirty="0">
-                <a:latin typeface="Calibri" panose="020F0502020204030204" pitchFamily="34" charset="0"/>
-                <a:cs typeface="Calibri" panose="020F0502020204030204" pitchFamily="34" charset="0"/>
-                <a:sym typeface="Wingdings" panose="05000000000000000000" pitchFamily="2" charset="2"/>
-              </a:rPr>
-              <a:t>      Questa limitazione è stata superata attraverso l’ausilio della libreria</a:t>
-            </a:r>
-          </a:p>
-          <a:p>
-            <a:pPr algn="just"/>
-            <a:r>
-              <a:rPr lang="it-IT" dirty="0">
-                <a:latin typeface="Calibri" panose="020F0502020204030204" pitchFamily="34" charset="0"/>
-                <a:cs typeface="Calibri" panose="020F0502020204030204" pitchFamily="34" charset="0"/>
-                <a:sym typeface="Wingdings" panose="05000000000000000000" pitchFamily="2" charset="2"/>
-              </a:rPr>
-              <a:t>      </a:t>
-            </a:r>
-            <a:r>
-              <a:rPr lang="it-IT" b="1" i="1" dirty="0" err="1">
-                <a:latin typeface="Calibri" panose="020F0502020204030204" pitchFamily="34" charset="0"/>
-                <a:cs typeface="Calibri" panose="020F0502020204030204" pitchFamily="34" charset="0"/>
-                <a:sym typeface="Wingdings" panose="05000000000000000000" pitchFamily="2" charset="2"/>
-              </a:rPr>
-              <a:t>GetOldTweets</a:t>
-            </a:r>
-            <a:r>
-              <a:rPr lang="it-IT" i="1" dirty="0">
-                <a:latin typeface="Calibri" panose="020F0502020204030204" pitchFamily="34" charset="0"/>
-                <a:cs typeface="Calibri" panose="020F0502020204030204" pitchFamily="34" charset="0"/>
-                <a:sym typeface="Wingdings" panose="05000000000000000000" pitchFamily="2" charset="2"/>
-              </a:rPr>
-              <a:t>.</a:t>
             </a:r>
             <a:endParaRPr lang="it-IT" dirty="0">
               <a:latin typeface="Calibri" panose="020F0502020204030204" pitchFamily="34" charset="0"/>
@@ -11304,7 +11266,7 @@
           <p:cNvPr id="5" name="Title 3">
             <a:extLst>
               <a:ext uri="{FF2B5EF4-FFF2-40B4-BE49-F238E27FC236}">
-                <a16:creationId xmlns:a16="http://schemas.microsoft.com/office/drawing/2014/main" xmlns="" id="{3A78A980-0D2B-467E-B644-5D2D7E2C7C76}"/>
+                <a16:creationId xmlns="" xmlns:a16="http://schemas.microsoft.com/office/drawing/2014/main" id="{3A78A980-0D2B-467E-B644-5D2D7E2C7C76}"/>
               </a:ext>
             </a:extLst>
           </p:cNvPr>
@@ -11389,7 +11351,7 @@
           <p:cNvPr id="6" name="Rettangolo 5">
             <a:extLst>
               <a:ext uri="{FF2B5EF4-FFF2-40B4-BE49-F238E27FC236}">
-                <a16:creationId xmlns:a16="http://schemas.microsoft.com/office/drawing/2014/main" xmlns="" id="{13544446-166C-4D47-9BAD-7D0BB734E8FC}"/>
+                <a16:creationId xmlns="" xmlns:a16="http://schemas.microsoft.com/office/drawing/2014/main" id="{13544446-166C-4D47-9BAD-7D0BB734E8FC}"/>
               </a:ext>
             </a:extLst>
           </p:cNvPr>
@@ -11555,13 +11517,47 @@
               <a:buChar char="•"/>
             </a:pPr>
             <a:r>
+              <a:rPr lang="it-IT" b="1" i="1" dirty="0" err="1" smtClean="0">
+                <a:solidFill>
+                  <a:schemeClr val="accent1"/>
+                </a:solidFill>
+                <a:latin typeface="Calibri" panose="020F0502020204030204" pitchFamily="34" charset="0"/>
+                <a:cs typeface="Calibri" panose="020F0502020204030204" pitchFamily="34" charset="0"/>
+              </a:rPr>
+              <a:t>Tweepy</a:t>
+            </a:r>
+            <a:r>
+              <a:rPr lang="it-IT" b="1" i="1" dirty="0" smtClean="0">
+                <a:solidFill>
+                  <a:schemeClr val="accent1"/>
+                </a:solidFill>
+                <a:latin typeface="Calibri" panose="020F0502020204030204" pitchFamily="34" charset="0"/>
+                <a:cs typeface="Calibri" panose="020F0502020204030204" pitchFamily="34" charset="0"/>
+              </a:rPr>
+              <a:t> </a:t>
+            </a:r>
+            <a:r>
               <a:rPr lang="it-IT" dirty="0">
                 <a:latin typeface="Calibri" panose="020F0502020204030204" pitchFamily="34" charset="0"/>
                 <a:cs typeface="Calibri" panose="020F0502020204030204" pitchFamily="34" charset="0"/>
               </a:rPr>
-              <a:t>Gestisce il processo di autenticazione dello sviluppatore presso il </a:t>
-            </a:r>
-            <a:endParaRPr lang="it-IT" dirty="0" smtClean="0">
+              <a:t>g</a:t>
+            </a:r>
+            <a:r>
+              <a:rPr lang="it-IT" dirty="0" smtClean="0">
+                <a:latin typeface="Calibri" panose="020F0502020204030204" pitchFamily="34" charset="0"/>
+                <a:cs typeface="Calibri" panose="020F0502020204030204" pitchFamily="34" charset="0"/>
+              </a:rPr>
+              <a:t>estisce </a:t>
+            </a:r>
+            <a:r>
+              <a:rPr lang="it-IT" dirty="0">
+                <a:latin typeface="Calibri" panose="020F0502020204030204" pitchFamily="34" charset="0"/>
+                <a:cs typeface="Calibri" panose="020F0502020204030204" pitchFamily="34" charset="0"/>
+              </a:rPr>
+              <a:t>il processo di autenticazione dello sviluppatore presso </a:t>
+            </a:r>
+            <a:endParaRPr lang="it-IT" dirty="0">
               <a:latin typeface="Calibri" panose="020F0502020204030204" pitchFamily="34" charset="0"/>
               <a:cs typeface="Calibri" panose="020F0502020204030204" pitchFamily="34" charset="0"/>
             </a:endParaRPr>
@@ -11569,18 +11565,11 @@
           <a:p>
             <a:pPr algn="just"/>
             <a:r>
-              <a:rPr lang="it-IT" dirty="0">
-                <a:latin typeface="Calibri" panose="020F0502020204030204" pitchFamily="34" charset="0"/>
-                <a:cs typeface="Calibri" panose="020F0502020204030204" pitchFamily="34" charset="0"/>
-              </a:rPr>
-              <a:t> </a:t>
-            </a:r>
-            <a:r>
               <a:rPr lang="it-IT" dirty="0" smtClean="0">
                 <a:latin typeface="Calibri" panose="020F0502020204030204" pitchFamily="34" charset="0"/>
                 <a:cs typeface="Calibri" panose="020F0502020204030204" pitchFamily="34" charset="0"/>
               </a:rPr>
-              <a:t>     server </a:t>
+              <a:t>      il server </a:t>
             </a:r>
             <a:r>
               <a:rPr lang="it-IT" dirty="0">
@@ -11795,7 +11784,7 @@
           <p:cNvPr id="7" name="Freccia a destra 6">
             <a:extLst>
               <a:ext uri="{FF2B5EF4-FFF2-40B4-BE49-F238E27FC236}">
-                <a16:creationId xmlns:a16="http://schemas.microsoft.com/office/drawing/2014/main" xmlns="" id="{CD2A3987-F483-4038-AA85-8FB867750F2A}"/>
+                <a16:creationId xmlns="" xmlns:a16="http://schemas.microsoft.com/office/drawing/2014/main" id="{CD2A3987-F483-4038-AA85-8FB867750F2A}"/>
               </a:ext>
             </a:extLst>
           </p:cNvPr>
@@ -11879,7 +11868,7 @@
           <p:cNvPr id="5" name="Title 3">
             <a:extLst>
               <a:ext uri="{FF2B5EF4-FFF2-40B4-BE49-F238E27FC236}">
-                <a16:creationId xmlns:a16="http://schemas.microsoft.com/office/drawing/2014/main" xmlns="" id="{FA269D4B-3754-4570-94B4-840809F1DD9D}"/>
+                <a16:creationId xmlns="" xmlns:a16="http://schemas.microsoft.com/office/drawing/2014/main" id="{FA269D4B-3754-4570-94B4-840809F1DD9D}"/>
               </a:ext>
             </a:extLst>
           </p:cNvPr>
@@ -11964,7 +11953,7 @@
           <p:cNvPr id="6" name="Rettangolo 5">
             <a:extLst>
               <a:ext uri="{FF2B5EF4-FFF2-40B4-BE49-F238E27FC236}">
-                <a16:creationId xmlns:a16="http://schemas.microsoft.com/office/drawing/2014/main" xmlns="" id="{E905DEB8-2BFA-41BE-9967-84ECE44648DF}"/>
+                <a16:creationId xmlns="" xmlns:a16="http://schemas.microsoft.com/office/drawing/2014/main" id="{E905DEB8-2BFA-41BE-9967-84ECE44648DF}"/>
               </a:ext>
             </a:extLst>
           </p:cNvPr>
@@ -11974,7 +11963,7 @@
         <p:spPr>
           <a:xfrm>
             <a:off x="1619672" y="1014718"/>
-            <a:ext cx="7524328" cy="3416320"/>
+            <a:ext cx="7524328" cy="3693319"/>
           </a:xfrm>
           <a:prstGeom prst="rect">
             <a:avLst/>
@@ -11987,7 +11976,7 @@
           <a:lstStyle/>
           <a:p>
             <a:pPr marL="285750" indent="-285750">
-              <a:buFont typeface="Arial" panose="020B0604020202020204" pitchFamily="34" charset="0"/>
+              <a:buFont typeface="Arial" pitchFamily="34" charset="0"/>
               <a:buChar char="•"/>
             </a:pPr>
             <a:r>
@@ -11995,28 +11984,7 @@
                 <a:latin typeface="Calibri" panose="020F0502020204030204" pitchFamily="34" charset="0"/>
                 <a:cs typeface="Calibri" panose="020F0502020204030204" pitchFamily="34" charset="0"/>
               </a:rPr>
-              <a:t>La libreria </a:t>
-            </a:r>
-            <a:r>
-              <a:rPr lang="it-IT" b="1" i="1" dirty="0" err="1">
-                <a:latin typeface="Calibri" panose="020F0502020204030204" pitchFamily="34" charset="0"/>
-                <a:cs typeface="Calibri" panose="020F0502020204030204" pitchFamily="34" charset="0"/>
-              </a:rPr>
-              <a:t>GetOldTweets</a:t>
-            </a:r>
-            <a:r>
-              <a:rPr lang="it-IT" i="1" dirty="0">
-                <a:latin typeface="Calibri" panose="020F0502020204030204" pitchFamily="34" charset="0"/>
-                <a:cs typeface="Calibri" panose="020F0502020204030204" pitchFamily="34" charset="0"/>
-              </a:rPr>
-              <a:t> </a:t>
-            </a:r>
-            <a:r>
-              <a:rPr lang="it-IT" dirty="0">
-                <a:latin typeface="Calibri" panose="020F0502020204030204" pitchFamily="34" charset="0"/>
-                <a:cs typeface="Calibri" panose="020F0502020204030204" pitchFamily="34" charset="0"/>
-              </a:rPr>
-              <a:t>permette di </a:t>
+              <a:t>Bisogna </a:t>
             </a:r>
             <a:r>
               <a:rPr lang="it-IT" i="1" dirty="0">
@@ -12047,9 +12015,72 @@
                 <a:latin typeface="Calibri" panose="020F0502020204030204" pitchFamily="34" charset="0"/>
                 <a:cs typeface="Calibri" panose="020F0502020204030204" pitchFamily="34" charset="0"/>
               </a:rPr>
-              <a:t>ufficiale e di </a:t>
-            </a:r>
-            <a:endParaRPr lang="it-IT" dirty="0" smtClean="0">
+              <a:t>ufficiale per recuperare </a:t>
+            </a:r>
+            <a:r>
+              <a:rPr lang="it-IT" i="1" dirty="0" err="1">
+                <a:latin typeface="Calibri" panose="020F0502020204030204" pitchFamily="34" charset="0"/>
+                <a:cs typeface="Calibri" panose="020F0502020204030204" pitchFamily="34" charset="0"/>
+              </a:rPr>
+              <a:t>tweets</a:t>
+            </a:r>
+            <a:r>
+              <a:rPr lang="it-IT" i="1" dirty="0">
+                <a:latin typeface="Calibri" panose="020F0502020204030204" pitchFamily="34" charset="0"/>
+                <a:cs typeface="Calibri" panose="020F0502020204030204" pitchFamily="34" charset="0"/>
+              </a:rPr>
+              <a:t> </a:t>
+            </a:r>
+            <a:r>
+              <a:rPr lang="it-IT" dirty="0">
+                <a:latin typeface="Calibri" panose="020F0502020204030204" pitchFamily="34" charset="0"/>
+                <a:cs typeface="Calibri" panose="020F0502020204030204" pitchFamily="34" charset="0"/>
+              </a:rPr>
+              <a:t>più vecchi di </a:t>
+            </a:r>
+          </a:p>
+          <a:p>
+            <a:r>
+              <a:rPr lang="it-IT" dirty="0">
+                <a:latin typeface="Calibri" panose="020F0502020204030204" pitchFamily="34" charset="0"/>
+                <a:cs typeface="Calibri" panose="020F0502020204030204" pitchFamily="34" charset="0"/>
+              </a:rPr>
+              <a:t>      una settimana, altrimenti è impossibile ottenere </a:t>
+            </a:r>
+            <a:r>
+              <a:rPr lang="it-IT" b="1" i="1" dirty="0" err="1">
+                <a:solidFill>
+                  <a:srgbClr val="C00000"/>
+                </a:solidFill>
+                <a:latin typeface="Calibri" panose="020F0502020204030204" pitchFamily="34" charset="0"/>
+                <a:cs typeface="Calibri" panose="020F0502020204030204" pitchFamily="34" charset="0"/>
+              </a:rPr>
+              <a:t>endorsement</a:t>
+            </a:r>
+            <a:r>
+              <a:rPr lang="it-IT" b="1" i="1" dirty="0">
+                <a:solidFill>
+                  <a:srgbClr val="C00000"/>
+                </a:solidFill>
+                <a:latin typeface="Calibri" panose="020F0502020204030204" pitchFamily="34" charset="0"/>
+                <a:cs typeface="Calibri" panose="020F0502020204030204" pitchFamily="34" charset="0"/>
+              </a:rPr>
+              <a:t> </a:t>
+            </a:r>
+            <a:r>
+              <a:rPr lang="it-IT" b="1" i="1" dirty="0" err="1">
+                <a:solidFill>
+                  <a:srgbClr val="C00000"/>
+                </a:solidFill>
+                <a:latin typeface="Calibri" panose="020F0502020204030204" pitchFamily="34" charset="0"/>
+                <a:cs typeface="Calibri" panose="020F0502020204030204" pitchFamily="34" charset="0"/>
+              </a:rPr>
+              <a:t>graphs</a:t>
+            </a:r>
+            <a:endParaRPr lang="it-IT" dirty="0">
+              <a:solidFill>
+                <a:srgbClr val="C00000"/>
+              </a:solidFill>
               <a:latin typeface="Calibri" panose="020F0502020204030204" pitchFamily="34" charset="0"/>
               <a:cs typeface="Calibri" panose="020F0502020204030204" pitchFamily="34" charset="0"/>
             </a:endParaRPr>
@@ -12059,36 +12090,9 @@
               <a:rPr lang="it-IT" dirty="0">
                 <a:latin typeface="Calibri" panose="020F0502020204030204" pitchFamily="34" charset="0"/>
                 <a:cs typeface="Calibri" panose="020F0502020204030204" pitchFamily="34" charset="0"/>
-              </a:rPr>
-              <a:t> </a:t>
-            </a:r>
-            <a:r>
-              <a:rPr lang="it-IT" dirty="0" smtClean="0">
-                <a:latin typeface="Calibri" panose="020F0502020204030204" pitchFamily="34" charset="0"/>
-                <a:cs typeface="Calibri" panose="020F0502020204030204" pitchFamily="34" charset="0"/>
-              </a:rPr>
-              <a:t>     ottenere </a:t>
-            </a:r>
-            <a:r>
-              <a:rPr lang="it-IT" i="1" dirty="0" err="1" smtClean="0">
-                <a:latin typeface="Calibri" panose="020F0502020204030204" pitchFamily="34" charset="0"/>
-                <a:cs typeface="Calibri" panose="020F0502020204030204" pitchFamily="34" charset="0"/>
-              </a:rPr>
-              <a:t>tweets</a:t>
-            </a:r>
-            <a:r>
-              <a:rPr lang="it-IT" i="1" dirty="0" smtClean="0">
-                <a:latin typeface="Calibri" panose="020F0502020204030204" pitchFamily="34" charset="0"/>
-                <a:cs typeface="Calibri" panose="020F0502020204030204" pitchFamily="34" charset="0"/>
-              </a:rPr>
-              <a:t> </a:t>
-            </a:r>
-            <a:r>
-              <a:rPr lang="it-IT" dirty="0">
-                <a:latin typeface="Calibri" panose="020F0502020204030204" pitchFamily="34" charset="0"/>
-                <a:cs typeface="Calibri" panose="020F0502020204030204" pitchFamily="34" charset="0"/>
-              </a:rPr>
-              <a:t>più vecchi di una settimana.</a:t>
+                <a:sym typeface="Wingdings" panose="05000000000000000000" pitchFamily="2" charset="2"/>
+              </a:rPr>
+              <a:t>      di dimensioni sufficienti per un’analisi attendibile.  </a:t>
             </a:r>
           </a:p>
           <a:p>
@@ -12115,7 +12119,21 @@
                 <a:latin typeface="Calibri" panose="020F0502020204030204" pitchFamily="34" charset="0"/>
                 <a:cs typeface="Calibri" panose="020F0502020204030204" pitchFamily="34" charset="0"/>
               </a:rPr>
-              <a:t>Sfrutta la funzione </a:t>
+              <a:t>I</a:t>
+            </a:r>
+            <a:r>
+              <a:rPr lang="it-IT" dirty="0" smtClean="0">
+                <a:latin typeface="Calibri" panose="020F0502020204030204" pitchFamily="34" charset="0"/>
+                <a:cs typeface="Calibri" panose="020F0502020204030204" pitchFamily="34" charset="0"/>
+              </a:rPr>
+              <a:t>mitare la </a:t>
+            </a:r>
+            <a:r>
+              <a:rPr lang="it-IT" dirty="0">
+                <a:latin typeface="Calibri" panose="020F0502020204030204" pitchFamily="34" charset="0"/>
+                <a:cs typeface="Calibri" panose="020F0502020204030204" pitchFamily="34" charset="0"/>
+              </a:rPr>
+              <a:t>funzione </a:t>
             </a:r>
             <a:r>
               <a:rPr lang="it-IT" i="1" dirty="0">
@@ -12197,10 +12215,18 @@
                 <a:cs typeface="Calibri" panose="020F0502020204030204" pitchFamily="34" charset="0"/>
                 <a:sym typeface="Wingdings" panose="05000000000000000000" pitchFamily="2" charset="2"/>
               </a:rPr>
-              <a:t> ottiene </a:t>
-            </a:r>
-            <a:r>
-              <a:rPr lang="it-IT" dirty="0" err="1">
+              <a:t> </a:t>
+            </a:r>
+            <a:r>
+              <a:rPr lang="it-IT" dirty="0" smtClean="0">
+                <a:latin typeface="Calibri" panose="020F0502020204030204" pitchFamily="34" charset="0"/>
+                <a:cs typeface="Calibri" panose="020F0502020204030204" pitchFamily="34" charset="0"/>
+                <a:sym typeface="Wingdings" panose="05000000000000000000" pitchFamily="2" charset="2"/>
+              </a:rPr>
+              <a:t>si ottengono </a:t>
+            </a:r>
+            <a:r>
+              <a:rPr lang="it-IT" dirty="0" err="1" smtClean="0">
                 <a:latin typeface="Calibri" panose="020F0502020204030204" pitchFamily="34" charset="0"/>
                 <a:cs typeface="Calibri" panose="020F0502020204030204" pitchFamily="34" charset="0"/>
                 <a:sym typeface="Wingdings" panose="05000000000000000000" pitchFamily="2" charset="2"/>
@@ -12286,12 +12312,28 @@
               <a:buChar char="•"/>
             </a:pPr>
             <a:r>
+              <a:rPr lang="it-IT" dirty="0" smtClean="0">
+                <a:latin typeface="Calibri" panose="020F0502020204030204" pitchFamily="34" charset="0"/>
+                <a:cs typeface="Calibri" panose="020F0502020204030204" pitchFamily="34" charset="0"/>
+                <a:sym typeface="Wingdings" panose="05000000000000000000" pitchFamily="2" charset="2"/>
+              </a:rPr>
+              <a:t>Si r</a:t>
+            </a:r>
+            <a:r>
+              <a:rPr lang="it-IT" dirty="0" smtClean="0">
+                <a:latin typeface="Calibri" panose="020F0502020204030204" pitchFamily="34" charset="0"/>
+                <a:cs typeface="Calibri" panose="020F0502020204030204" pitchFamily="34" charset="0"/>
+                <a:sym typeface="Wingdings" panose="05000000000000000000" pitchFamily="2" charset="2"/>
+              </a:rPr>
+              <a:t>iesce </a:t>
+            </a:r>
+            <a:r>
               <a:rPr lang="it-IT" dirty="0">
                 <a:latin typeface="Calibri" panose="020F0502020204030204" pitchFamily="34" charset="0"/>
                 <a:cs typeface="Calibri" panose="020F0502020204030204" pitchFamily="34" charset="0"/>
                 <a:sym typeface="Wingdings" panose="05000000000000000000" pitchFamily="2" charset="2"/>
               </a:rPr>
-              <a:t>Riesce quindi ad evitare le limitazioni temporali delle </a:t>
+              <a:t>quindi ad evitare le limitazioni temporali delle </a:t>
             </a:r>
             <a:r>
               <a:rPr lang="it-IT" b="1" i="1" dirty="0">
@@ -12384,7 +12426,7 @@
           <p:cNvPr id="5" name="Title 3">
             <a:extLst>
               <a:ext uri="{FF2B5EF4-FFF2-40B4-BE49-F238E27FC236}">
-                <a16:creationId xmlns:a16="http://schemas.microsoft.com/office/drawing/2014/main" xmlns="" id="{D5B2E943-4D76-47C0-AFF3-70EEC7B728A0}"/>
+                <a16:creationId xmlns="" xmlns:a16="http://schemas.microsoft.com/office/drawing/2014/main" id="{D5B2E943-4D76-47C0-AFF3-70EEC7B728A0}"/>
               </a:ext>
             </a:extLst>
           </p:cNvPr>
@@ -12469,7 +12511,7 @@
           <p:cNvPr id="6" name="Rettangolo 5">
             <a:extLst>
               <a:ext uri="{FF2B5EF4-FFF2-40B4-BE49-F238E27FC236}">
-                <a16:creationId xmlns:a16="http://schemas.microsoft.com/office/drawing/2014/main" xmlns="" id="{E8861B7B-8A8E-4E0F-AC25-74535E87BCCE}"/>
+                <a16:creationId xmlns="" xmlns:a16="http://schemas.microsoft.com/office/drawing/2014/main" id="{E8861B7B-8A8E-4E0F-AC25-74535E87BCCE}"/>
               </a:ext>
             </a:extLst>
           </p:cNvPr>
@@ -12799,7 +12841,7 @@
           <p:cNvPr id="8" name="Connettore 2 7">
             <a:extLst>
               <a:ext uri="{FF2B5EF4-FFF2-40B4-BE49-F238E27FC236}">
-                <a16:creationId xmlns:a16="http://schemas.microsoft.com/office/drawing/2014/main" xmlns="" id="{10DFEC75-8F1A-438D-A7A3-11E66A8AAFF2}"/>
+                <a16:creationId xmlns="" xmlns:a16="http://schemas.microsoft.com/office/drawing/2014/main" id="{10DFEC75-8F1A-438D-A7A3-11E66A8AAFF2}"/>
               </a:ext>
             </a:extLst>
           </p:cNvPr>
@@ -12838,7 +12880,7 @@
           <p:cNvPr id="9" name="Connettore 2 8">
             <a:extLst>
               <a:ext uri="{FF2B5EF4-FFF2-40B4-BE49-F238E27FC236}">
-                <a16:creationId xmlns:a16="http://schemas.microsoft.com/office/drawing/2014/main" xmlns="" id="{5B792FA7-2F70-4FAF-B16E-10DA5390FCCA}"/>
+                <a16:creationId xmlns="" xmlns:a16="http://schemas.microsoft.com/office/drawing/2014/main" id="{5B792FA7-2F70-4FAF-B16E-10DA5390FCCA}"/>
               </a:ext>
             </a:extLst>
           </p:cNvPr>
@@ -12877,7 +12919,7 @@
           <p:cNvPr id="10" name="Connettore 2 9">
             <a:extLst>
               <a:ext uri="{FF2B5EF4-FFF2-40B4-BE49-F238E27FC236}">
-                <a16:creationId xmlns:a16="http://schemas.microsoft.com/office/drawing/2014/main" xmlns="" id="{BD722D80-B984-47BA-BCEA-1550BF590A27}"/>
+                <a16:creationId xmlns="" xmlns:a16="http://schemas.microsoft.com/office/drawing/2014/main" id="{BD722D80-B984-47BA-BCEA-1550BF590A27}"/>
               </a:ext>
             </a:extLst>
           </p:cNvPr>
@@ -12916,7 +12958,7 @@
           <p:cNvPr id="11" name="Parentesi graffa aperta 10">
             <a:extLst>
               <a:ext uri="{FF2B5EF4-FFF2-40B4-BE49-F238E27FC236}">
-                <a16:creationId xmlns:a16="http://schemas.microsoft.com/office/drawing/2014/main" xmlns="" id="{4ED9291E-6287-4A3B-82B7-D09C06EE3A91}"/>
+                <a16:creationId xmlns="" xmlns:a16="http://schemas.microsoft.com/office/drawing/2014/main" id="{4ED9291E-6287-4A3B-82B7-D09C06EE3A91}"/>
               </a:ext>
             </a:extLst>
           </p:cNvPr>
@@ -12960,7 +13002,7 @@
           <p:cNvPr id="12" name="Parentesi graffa aperta 11">
             <a:extLst>
               <a:ext uri="{FF2B5EF4-FFF2-40B4-BE49-F238E27FC236}">
-                <a16:creationId xmlns:a16="http://schemas.microsoft.com/office/drawing/2014/main" xmlns="" id="{9A10EE08-33EC-4F79-BE5F-8C8EC7C3BC50}"/>
+                <a16:creationId xmlns="" xmlns:a16="http://schemas.microsoft.com/office/drawing/2014/main" id="{9A10EE08-33EC-4F79-BE5F-8C8EC7C3BC50}"/>
               </a:ext>
             </a:extLst>
           </p:cNvPr>
@@ -13004,7 +13046,7 @@
           <p:cNvPr id="13" name="CasellaDiTesto 12">
             <a:extLst>
               <a:ext uri="{FF2B5EF4-FFF2-40B4-BE49-F238E27FC236}">
-                <a16:creationId xmlns:a16="http://schemas.microsoft.com/office/drawing/2014/main" xmlns="" id="{3F838B8A-4711-4B54-9062-A9BE7F635107}"/>
+                <a16:creationId xmlns="" xmlns:a16="http://schemas.microsoft.com/office/drawing/2014/main" id="{3F838B8A-4711-4B54-9062-A9BE7F635107}"/>
               </a:ext>
             </a:extLst>
           </p:cNvPr>
@@ -13046,7 +13088,7 @@
           <p:cNvPr id="14" name="CasellaDiTesto 13">
             <a:extLst>
               <a:ext uri="{FF2B5EF4-FFF2-40B4-BE49-F238E27FC236}">
-                <a16:creationId xmlns:a16="http://schemas.microsoft.com/office/drawing/2014/main" xmlns="" id="{6075593A-FB72-4CCB-8CFA-16377A06B598}"/>
+                <a16:creationId xmlns="" xmlns:a16="http://schemas.microsoft.com/office/drawing/2014/main" id="{6075593A-FB72-4CCB-8CFA-16377A06B598}"/>
               </a:ext>
             </a:extLst>
           </p:cNvPr>
@@ -13148,7 +13190,7 @@
           <p:cNvPr id="5" name="Title 3">
             <a:extLst>
               <a:ext uri="{FF2B5EF4-FFF2-40B4-BE49-F238E27FC236}">
-                <a16:creationId xmlns:a16="http://schemas.microsoft.com/office/drawing/2014/main" xmlns="" id="{D5B2E943-4D76-47C0-AFF3-70EEC7B728A0}"/>
+                <a16:creationId xmlns="" xmlns:a16="http://schemas.microsoft.com/office/drawing/2014/main" id="{D5B2E943-4D76-47C0-AFF3-70EEC7B728A0}"/>
               </a:ext>
             </a:extLst>
           </p:cNvPr>
@@ -26665,7 +26707,7 @@
           <p:cNvPr id="8" name="Title 3">
             <a:extLst>
               <a:ext uri="{FF2B5EF4-FFF2-40B4-BE49-F238E27FC236}">
-                <a16:creationId xmlns:a16="http://schemas.microsoft.com/office/drawing/2014/main" xmlns="" id="{D5B2E943-4D76-47C0-AFF3-70EEC7B728A0}"/>
+                <a16:creationId xmlns="" xmlns:a16="http://schemas.microsoft.com/office/drawing/2014/main" id="{D5B2E943-4D76-47C0-AFF3-70EEC7B728A0}"/>
               </a:ext>
             </a:extLst>
           </p:cNvPr>
@@ -27509,8 +27551,8 @@
           </a:p>
         </p:txBody>
       </p:sp>
-      <mc:AlternateContent xmlns:mc="http://schemas.openxmlformats.org/markup-compatibility/2006">
-        <mc:Choice xmlns:a14="http://schemas.microsoft.com/office/drawing/2010/main" Requires="a14">
+      <mc:AlternateContent xmlns:mc="http://schemas.openxmlformats.org/markup-compatibility/2006" xmlns:a14="http://schemas.microsoft.com/office/drawing/2010/main">
+        <mc:Choice Requires="a14">
           <p:sp>
             <p:nvSpPr>
               <p:cNvPr id="43" name="CasellaDiTesto 42"/>
@@ -27579,7 +27621,7 @@
             </p:txBody>
           </p:sp>
         </mc:Choice>
-        <mc:Fallback>
+        <mc:Fallback xmlns="">
           <p:sp>
             <p:nvSpPr>
               <p:cNvPr id="43" name="CasellaDiTesto 42"/>
@@ -27618,8 +27660,8 @@
           </p:sp>
         </mc:Fallback>
       </mc:AlternateContent>
-      <mc:AlternateContent xmlns:mc="http://schemas.openxmlformats.org/markup-compatibility/2006">
-        <mc:Choice xmlns:a14="http://schemas.microsoft.com/office/drawing/2010/main" Requires="a14">
+      <mc:AlternateContent xmlns:mc="http://schemas.openxmlformats.org/markup-compatibility/2006" xmlns:a14="http://schemas.microsoft.com/office/drawing/2010/main">
+        <mc:Choice Requires="a14">
           <p:sp>
             <p:nvSpPr>
               <p:cNvPr id="47" name="CasellaDiTesto 46"/>
@@ -27688,7 +27730,7 @@
             </p:txBody>
           </p:sp>
         </mc:Choice>
-        <mc:Fallback>
+        <mc:Fallback xmlns="">
           <p:sp>
             <p:nvSpPr>
               <p:cNvPr id="47" name="CasellaDiTesto 46"/>
@@ -27727,8 +27769,8 @@
           </p:sp>
         </mc:Fallback>
       </mc:AlternateContent>
-      <mc:AlternateContent xmlns:mc="http://schemas.openxmlformats.org/markup-compatibility/2006">
-        <mc:Choice xmlns:a14="http://schemas.microsoft.com/office/drawing/2010/main" Requires="a14">
+      <mc:AlternateContent xmlns:mc="http://schemas.openxmlformats.org/markup-compatibility/2006" xmlns:a14="http://schemas.microsoft.com/office/drawing/2010/main">
+        <mc:Choice Requires="a14">
           <p:sp>
             <p:nvSpPr>
               <p:cNvPr id="48" name="CasellaDiTesto 47"/>
@@ -27797,7 +27839,7 @@
             </p:txBody>
           </p:sp>
         </mc:Choice>
-        <mc:Fallback>
+        <mc:Fallback xmlns="">
           <p:sp>
             <p:nvSpPr>
               <p:cNvPr id="48" name="CasellaDiTesto 47"/>
@@ -27836,8 +27878,8 @@
           </p:sp>
         </mc:Fallback>
       </mc:AlternateContent>
-      <mc:AlternateContent xmlns:mc="http://schemas.openxmlformats.org/markup-compatibility/2006">
-        <mc:Choice xmlns:a14="http://schemas.microsoft.com/office/drawing/2010/main" Requires="a14">
+      <mc:AlternateContent xmlns:mc="http://schemas.openxmlformats.org/markup-compatibility/2006" xmlns:a14="http://schemas.microsoft.com/office/drawing/2010/main">
+        <mc:Choice Requires="a14">
           <p:sp>
             <p:nvSpPr>
               <p:cNvPr id="49" name="CasellaDiTesto 48"/>
@@ -27906,7 +27948,7 @@
             </p:txBody>
           </p:sp>
         </mc:Choice>
-        <mc:Fallback>
+        <mc:Fallback xmlns="">
           <p:sp>
             <p:nvSpPr>
               <p:cNvPr id="49" name="CasellaDiTesto 48"/>
@@ -28220,7 +28262,7 @@
           <p:cNvPr id="5" name="Title 3">
             <a:extLst>
               <a:ext uri="{FF2B5EF4-FFF2-40B4-BE49-F238E27FC236}">
-                <a16:creationId xmlns:a16="http://schemas.microsoft.com/office/drawing/2014/main" xmlns="" id="{D5B2E943-4D76-47C0-AFF3-70EEC7B728A0}"/>
+                <a16:creationId xmlns="" xmlns:a16="http://schemas.microsoft.com/office/drawing/2014/main" id="{D5B2E943-4D76-47C0-AFF3-70EEC7B728A0}"/>
               </a:ext>
             </a:extLst>
           </p:cNvPr>
@@ -28329,14 +28371,14 @@
           </a:p>
         </p:txBody>
       </p:sp>
-      <mc:AlternateContent xmlns:mc="http://schemas.openxmlformats.org/markup-compatibility/2006">
-        <mc:Choice xmlns:a14="http://schemas.microsoft.com/office/drawing/2010/main" Requires="a14">
+      <mc:AlternateContent xmlns:mc="http://schemas.openxmlformats.org/markup-compatibility/2006" xmlns:a14="http://schemas.microsoft.com/office/drawing/2010/main">
+        <mc:Choice Requires="a14">
           <p:sp>
             <p:nvSpPr>
               <p:cNvPr id="3" name="Rettangolo 2">
                 <a:extLst>
                   <a:ext uri="{FF2B5EF4-FFF2-40B4-BE49-F238E27FC236}">
-                    <a16:creationId xmlns:a16="http://schemas.microsoft.com/office/drawing/2014/main" xmlns="" id="{E905DEB8-2BFA-41BE-9967-84ECE44648DF}"/>
+                    <a16:creationId xmlns="" xmlns:a16="http://schemas.microsoft.com/office/drawing/2014/main" id="{E905DEB8-2BFA-41BE-9967-84ECE44648DF}"/>
                   </a:ext>
                 </a:extLst>
               </p:cNvPr>
@@ -28651,15 +28693,7 @@
                     <a:cs typeface="Calibri" panose="020F0502020204030204" pitchFamily="34" charset="0"/>
                     <a:sym typeface="Wingdings" panose="05000000000000000000" pitchFamily="2" charset="2"/>
                   </a:rPr>
-                  <a:t>e</a:t>
-                </a:r>
-                <a:r>
-                  <a:rPr lang="it-IT" b="1" i="1" dirty="0" smtClean="0">
-                    <a:latin typeface="Calibri" panose="020F0502020204030204" pitchFamily="34" charset="0"/>
-                    <a:cs typeface="Calibri" panose="020F0502020204030204" pitchFamily="34" charset="0"/>
-                    <a:sym typeface="Wingdings" panose="05000000000000000000" pitchFamily="2" charset="2"/>
-                  </a:rPr>
-                  <a:t>:</a:t>
+                  <a:t>e:</a:t>
                 </a:r>
                 <a:endParaRPr lang="it-IT" b="1" i="1" dirty="0">
                   <a:latin typeface="Calibri" panose="020F0502020204030204" pitchFamily="34" charset="0"/>
@@ -29005,7 +29039,7 @@
             </p:txBody>
           </p:sp>
         </mc:Choice>
-        <mc:Fallback>
+        <mc:Fallback xmlns="">
           <p:sp>
             <p:nvSpPr>
               <p:cNvPr id="3" name="Rettangolo 2">
@@ -29092,7 +29126,7 @@
           <p:cNvPr id="5" name="Title 3">
             <a:extLst>
               <a:ext uri="{FF2B5EF4-FFF2-40B4-BE49-F238E27FC236}">
-                <a16:creationId xmlns:a16="http://schemas.microsoft.com/office/drawing/2014/main" xmlns="" id="{D5B2E943-4D76-47C0-AFF3-70EEC7B728A0}"/>
+                <a16:creationId xmlns="" xmlns:a16="http://schemas.microsoft.com/office/drawing/2014/main" id="{D5B2E943-4D76-47C0-AFF3-70EEC7B728A0}"/>
               </a:ext>
             </a:extLst>
           </p:cNvPr>
@@ -29206,7 +29240,7 @@
           <p:cNvPr id="6" name="Rettangolo 5">
             <a:extLst>
               <a:ext uri="{FF2B5EF4-FFF2-40B4-BE49-F238E27FC236}">
-                <a16:creationId xmlns:a16="http://schemas.microsoft.com/office/drawing/2014/main" xmlns="" id="{E8861B7B-8A8E-4E0F-AC25-74535E87BCCE}"/>
+                <a16:creationId xmlns="" xmlns:a16="http://schemas.microsoft.com/office/drawing/2014/main" id="{E8861B7B-8A8E-4E0F-AC25-74535E87BCCE}"/>
               </a:ext>
             </a:extLst>
           </p:cNvPr>
@@ -30233,7 +30267,7 @@
           <p:cNvPr id="5" name="Title 3">
             <a:extLst>
               <a:ext uri="{FF2B5EF4-FFF2-40B4-BE49-F238E27FC236}">
-                <a16:creationId xmlns:a16="http://schemas.microsoft.com/office/drawing/2014/main" xmlns="" id="{D5B2E943-4D76-47C0-AFF3-70EEC7B728A0}"/>
+                <a16:creationId xmlns="" xmlns:a16="http://schemas.microsoft.com/office/drawing/2014/main" id="{D5B2E943-4D76-47C0-AFF3-70EEC7B728A0}"/>
               </a:ext>
             </a:extLst>
           </p:cNvPr>
@@ -30528,7 +30562,7 @@
           <p:cNvPr id="5" name="Title 3">
             <a:extLst>
               <a:ext uri="{FF2B5EF4-FFF2-40B4-BE49-F238E27FC236}">
-                <a16:creationId xmlns:a16="http://schemas.microsoft.com/office/drawing/2014/main" xmlns="" id="{D5B2E943-4D76-47C0-AFF3-70EEC7B728A0}"/>
+                <a16:creationId xmlns="" xmlns:a16="http://schemas.microsoft.com/office/drawing/2014/main" id="{D5B2E943-4D76-47C0-AFF3-70EEC7B728A0}"/>
               </a:ext>
             </a:extLst>
           </p:cNvPr>
@@ -30723,10 +30757,6 @@
               </a:rPr>
               <a:t>:</a:t>
             </a:r>
-            <a:endParaRPr lang="it-IT" i="1" dirty="0" smtClean="0">
-              <a:latin typeface="Calibri" pitchFamily="34" charset="0"/>
-              <a:cs typeface="Calibri" pitchFamily="34" charset="0"/>
-            </a:endParaRPr>
           </a:p>
           <a:p>
             <a:endParaRPr lang="it-IT" i="1" dirty="0">
@@ -31114,7 +31144,7 @@
           <p:cNvPr id="5" name="Title 3">
             <a:extLst>
               <a:ext uri="{FF2B5EF4-FFF2-40B4-BE49-F238E27FC236}">
-                <a16:creationId xmlns:a16="http://schemas.microsoft.com/office/drawing/2014/main" xmlns="" id="{D5B2E943-4D76-47C0-AFF3-70EEC7B728A0}"/>
+                <a16:creationId xmlns="" xmlns:a16="http://schemas.microsoft.com/office/drawing/2014/main" id="{D5B2E943-4D76-47C0-AFF3-70EEC7B728A0}"/>
               </a:ext>
             </a:extLst>
           </p:cNvPr>
@@ -31213,8 +31243,8 @@
           </a:p>
         </p:txBody>
       </p:sp>
-      <mc:AlternateContent xmlns:mc="http://schemas.openxmlformats.org/markup-compatibility/2006">
-        <mc:Choice xmlns:a14="http://schemas.microsoft.com/office/drawing/2010/main" Requires="a14">
+      <mc:AlternateContent xmlns:mc="http://schemas.openxmlformats.org/markup-compatibility/2006" xmlns:a14="http://schemas.microsoft.com/office/drawing/2010/main">
+        <mc:Choice Requires="a14">
           <p:sp>
             <p:nvSpPr>
               <p:cNvPr id="7" name="CasellaDiTesto 6"/>
@@ -31723,7 +31753,7 @@
             </p:txBody>
           </p:sp>
         </mc:Choice>
-        <mc:Fallback>
+        <mc:Fallback xmlns="">
           <p:sp>
             <p:nvSpPr>
               <p:cNvPr id="7" name="CasellaDiTesto 6"/>
@@ -31932,7 +31962,7 @@
           <p:cNvPr id="5" name="Title 3">
             <a:extLst>
               <a:ext uri="{FF2B5EF4-FFF2-40B4-BE49-F238E27FC236}">
-                <a16:creationId xmlns:a16="http://schemas.microsoft.com/office/drawing/2014/main" xmlns="" id="{D5B2E943-4D76-47C0-AFF3-70EEC7B728A0}"/>
+                <a16:creationId xmlns="" xmlns:a16="http://schemas.microsoft.com/office/drawing/2014/main" id="{D5B2E943-4D76-47C0-AFF3-70EEC7B728A0}"/>
               </a:ext>
             </a:extLst>
           </p:cNvPr>
@@ -32031,8 +32061,8 @@
           </a:p>
         </p:txBody>
       </p:sp>
-      <mc:AlternateContent xmlns:mc="http://schemas.openxmlformats.org/markup-compatibility/2006">
-        <mc:Choice xmlns:a14="http://schemas.microsoft.com/office/drawing/2010/main" Requires="a14">
+      <mc:AlternateContent xmlns:mc="http://schemas.openxmlformats.org/markup-compatibility/2006" xmlns:a14="http://schemas.microsoft.com/office/drawing/2010/main">
+        <mc:Choice Requires="a14">
           <p:sp>
             <p:nvSpPr>
               <p:cNvPr id="7" name="CasellaDiTesto 6"/>
@@ -32078,14 +32108,7 @@
                     <a:latin typeface="Calibri" pitchFamily="34" charset="0"/>
                     <a:cs typeface="Calibri" pitchFamily="34" charset="0"/>
                   </a:rPr>
-                  <a:t>, vale la seguente disequazione</a:t>
-                </a:r>
-                <a:r>
-                  <a:rPr lang="it-IT" dirty="0" smtClean="0">
-                    <a:latin typeface="Calibri" pitchFamily="34" charset="0"/>
-                    <a:cs typeface="Calibri" pitchFamily="34" charset="0"/>
-                  </a:rPr>
-                  <a:t>:</a:t>
+                  <a:t>, vale la seguente disequazione:</a:t>
                 </a:r>
                 <a:endParaRPr lang="it-IT" dirty="0">
                   <a:latin typeface="Calibri" pitchFamily="34" charset="0"/>
@@ -32776,7 +32799,6 @@
                 </a:endParaRPr>
               </a:p>
               <a:p>
-                <a:pPr/>
                 <a:endParaRPr lang="it-IT" sz="1400" dirty="0">
                   <a:latin typeface="Calibri" pitchFamily="34" charset="0"/>
                   <a:cs typeface="Calibri" pitchFamily="34" charset="0"/>
@@ -32854,21 +32876,7 @@
                     <a:latin typeface="Calibri" pitchFamily="34" charset="0"/>
                     <a:cs typeface="Calibri" pitchFamily="34" charset="0"/>
                   </a:rPr>
-                  <a:t>non </a:t>
-                </a:r>
-                <a:r>
-                  <a:rPr lang="it-IT" dirty="0" smtClean="0">
-                    <a:latin typeface="Calibri" pitchFamily="34" charset="0"/>
-                    <a:cs typeface="Calibri" pitchFamily="34" charset="0"/>
-                  </a:rPr>
-                  <a:t>tenendo conto che </a:t>
-                </a:r>
-                <a:r>
-                  <a:rPr lang="it-IT" dirty="0" smtClean="0">
-                    <a:latin typeface="Calibri" pitchFamily="34" charset="0"/>
-                    <a:cs typeface="Calibri" pitchFamily="34" charset="0"/>
-                  </a:rPr>
-                  <a:t>il </a:t>
+                  <a:t>non tenendo conto che il </a:t>
                 </a:r>
                 <a14:m>
                   <m:oMath xmlns:m="http://schemas.openxmlformats.org/officeDocument/2006/math">
@@ -32929,14 +32937,7 @@
                     <a:latin typeface="Calibri" pitchFamily="34" charset="0"/>
                     <a:cs typeface="Calibri" pitchFamily="34" charset="0"/>
                   </a:rPr>
-                  <a:t>stato </a:t>
-                </a:r>
-                <a:r>
-                  <a:rPr lang="it-IT" b="1" dirty="0" smtClean="0">
-                    <a:latin typeface="Calibri" pitchFamily="34" charset="0"/>
-                    <a:cs typeface="Calibri" pitchFamily="34" charset="0"/>
-                  </a:rPr>
-                  <a:t>attuale </a:t>
+                  <a:t>stato attuale </a:t>
                 </a:r>
                 <a:r>
                   <a:rPr lang="it-IT" dirty="0" smtClean="0">
@@ -32945,10 +32946,6 @@
                   </a:rPr>
                   <a:t>del grafo.</a:t>
                 </a:r>
-                <a:endParaRPr lang="it-IT" dirty="0" smtClean="0">
-                  <a:latin typeface="Calibri" pitchFamily="34" charset="0"/>
-                  <a:cs typeface="Calibri" pitchFamily="34" charset="0"/>
-                </a:endParaRPr>
               </a:p>
               <a:p>
                 <a:endParaRPr lang="it-IT" u="sng" dirty="0">
@@ -33225,7 +33222,7 @@
             </p:txBody>
           </p:sp>
         </mc:Choice>
-        <mc:Fallback>
+        <mc:Fallback xmlns="">
           <p:sp>
             <p:nvSpPr>
               <p:cNvPr id="7" name="CasellaDiTesto 6"/>
@@ -33306,7 +33303,7 @@
           <p:cNvPr id="5" name="Title 3">
             <a:extLst>
               <a:ext uri="{FF2B5EF4-FFF2-40B4-BE49-F238E27FC236}">
-                <a16:creationId xmlns:a16="http://schemas.microsoft.com/office/drawing/2014/main" xmlns="" id="{D5B2E943-4D76-47C0-AFF3-70EEC7B728A0}"/>
+                <a16:creationId xmlns="" xmlns:a16="http://schemas.microsoft.com/office/drawing/2014/main" id="{D5B2E943-4D76-47C0-AFF3-70EEC7B728A0}"/>
               </a:ext>
             </a:extLst>
           </p:cNvPr>
@@ -33689,14 +33686,7 @@
                 <a:latin typeface="Calibri" pitchFamily="34" charset="0"/>
                 <a:cs typeface="Calibri" pitchFamily="34" charset="0"/>
               </a:rPr>
-              <a:t>    di tali archi</a:t>
-            </a:r>
-            <a:r>
-              <a:rPr lang="it-IT" dirty="0" smtClean="0">
-                <a:latin typeface="Calibri" pitchFamily="34" charset="0"/>
-                <a:cs typeface="Calibri" pitchFamily="34" charset="0"/>
-              </a:rPr>
-              <a:t>.</a:t>
+              <a:t>    di tali archi.</a:t>
             </a:r>
             <a:endParaRPr lang="it-IT" dirty="0" smtClean="0">
               <a:solidFill>
@@ -33849,10 +33839,6 @@
               </a:rPr>
               <a:t>.</a:t>
             </a:r>
-            <a:endParaRPr lang="it-IT" dirty="0" smtClean="0">
-              <a:latin typeface="Calibri" pitchFamily="34" charset="0"/>
-              <a:cs typeface="Calibri" pitchFamily="34" charset="0"/>
-            </a:endParaRPr>
           </a:p>
           <a:p>
             <a:pPr algn="just"/>
@@ -34047,7 +34033,7 @@
           <p:cNvPr id="5" name="Title 3">
             <a:extLst>
               <a:ext uri="{FF2B5EF4-FFF2-40B4-BE49-F238E27FC236}">
-                <a16:creationId xmlns:a16="http://schemas.microsoft.com/office/drawing/2014/main" xmlns="" id="{189ECF77-714F-4D2C-9D4B-CC43534EF427}"/>
+                <a16:creationId xmlns="" xmlns:a16="http://schemas.microsoft.com/office/drawing/2014/main" id="{189ECF77-714F-4D2C-9D4B-CC43534EF427}"/>
               </a:ext>
             </a:extLst>
           </p:cNvPr>
@@ -34730,7 +34716,7 @@
           <p:cNvPr id="5" name="Title 3">
             <a:extLst>
               <a:ext uri="{FF2B5EF4-FFF2-40B4-BE49-F238E27FC236}">
-                <a16:creationId xmlns:a16="http://schemas.microsoft.com/office/drawing/2014/main" xmlns="" id="{189ECF77-714F-4D2C-9D4B-CC43534EF427}"/>
+                <a16:creationId xmlns="" xmlns:a16="http://schemas.microsoft.com/office/drawing/2014/main" id="{189ECF77-714F-4D2C-9D4B-CC43534EF427}"/>
               </a:ext>
             </a:extLst>
           </p:cNvPr>
@@ -34940,8 +34926,8 @@
           </a:extLst>
         </p:spPr>
       </p:pic>
-      <mc:AlternateContent xmlns:mc="http://schemas.openxmlformats.org/markup-compatibility/2006">
-        <mc:Choice xmlns:a14="http://schemas.microsoft.com/office/drawing/2010/main" Requires="a14">
+      <mc:AlternateContent xmlns:mc="http://schemas.openxmlformats.org/markup-compatibility/2006" xmlns:a14="http://schemas.microsoft.com/office/drawing/2010/main">
+        <mc:Choice Requires="a14">
           <p:sp>
             <p:nvSpPr>
               <p:cNvPr id="9" name="CasellaDiTesto 8"/>
@@ -35315,7 +35301,7 @@
             </p:txBody>
           </p:sp>
         </mc:Choice>
-        <mc:Fallback>
+        <mc:Fallback xmlns="">
           <p:sp>
             <p:nvSpPr>
               <p:cNvPr id="9" name="CasellaDiTesto 8"/>
@@ -35740,7 +35726,7 @@
           <p:cNvPr id="5" name="Title 3">
             <a:extLst>
               <a:ext uri="{FF2B5EF4-FFF2-40B4-BE49-F238E27FC236}">
-                <a16:creationId xmlns:a16="http://schemas.microsoft.com/office/drawing/2014/main" xmlns="" id="{189ECF77-714F-4D2C-9D4B-CC43534EF427}"/>
+                <a16:creationId xmlns="" xmlns:a16="http://schemas.microsoft.com/office/drawing/2014/main" id="{189ECF77-714F-4D2C-9D4B-CC43534EF427}"/>
               </a:ext>
             </a:extLst>
           </p:cNvPr>
@@ -35936,8 +35922,8 @@
           </a:extLst>
         </p:spPr>
       </p:pic>
-      <mc:AlternateContent xmlns:mc="http://schemas.openxmlformats.org/markup-compatibility/2006">
-        <mc:Choice xmlns:a14="http://schemas.microsoft.com/office/drawing/2010/main" Requires="a14">
+      <mc:AlternateContent xmlns:mc="http://schemas.openxmlformats.org/markup-compatibility/2006" xmlns:a14="http://schemas.microsoft.com/office/drawing/2010/main">
+        <mc:Choice Requires="a14">
           <p:sp>
             <p:nvSpPr>
               <p:cNvPr id="8" name="CasellaDiTesto 7"/>
@@ -36237,7 +36223,7 @@
             </p:txBody>
           </p:sp>
         </mc:Choice>
-        <mc:Fallback>
+        <mc:Fallback xmlns="">
           <p:sp>
             <p:nvSpPr>
               <p:cNvPr id="8" name="CasellaDiTesto 7"/>
@@ -36318,7 +36304,7 @@
           <p:cNvPr id="5" name="Title 3">
             <a:extLst>
               <a:ext uri="{FF2B5EF4-FFF2-40B4-BE49-F238E27FC236}">
-                <a16:creationId xmlns:a16="http://schemas.microsoft.com/office/drawing/2014/main" xmlns="" id="{189ECF77-714F-4D2C-9D4B-CC43534EF427}"/>
+                <a16:creationId xmlns="" xmlns:a16="http://schemas.microsoft.com/office/drawing/2014/main" id="{189ECF77-714F-4D2C-9D4B-CC43534EF427}"/>
               </a:ext>
             </a:extLst>
           </p:cNvPr>
@@ -36590,7 +36576,7 @@
           <p:cNvPr id="5" name="Title 3">
             <a:extLst>
               <a:ext uri="{FF2B5EF4-FFF2-40B4-BE49-F238E27FC236}">
-                <a16:creationId xmlns:a16="http://schemas.microsoft.com/office/drawing/2014/main" xmlns="" id="{189ECF77-714F-4D2C-9D4B-CC43534EF427}"/>
+                <a16:creationId xmlns="" xmlns:a16="http://schemas.microsoft.com/office/drawing/2014/main" id="{189ECF77-714F-4D2C-9D4B-CC43534EF427}"/>
               </a:ext>
             </a:extLst>
           </p:cNvPr>
@@ -36872,7 +36858,7 @@
           <p:cNvPr id="5" name="Title 3">
             <a:extLst>
               <a:ext uri="{FF2B5EF4-FFF2-40B4-BE49-F238E27FC236}">
-                <a16:creationId xmlns:a16="http://schemas.microsoft.com/office/drawing/2014/main" xmlns="" id="{189ECF77-714F-4D2C-9D4B-CC43534EF427}"/>
+                <a16:creationId xmlns="" xmlns:a16="http://schemas.microsoft.com/office/drawing/2014/main" id="{189ECF77-714F-4D2C-9D4B-CC43534EF427}"/>
               </a:ext>
             </a:extLst>
           </p:cNvPr>
@@ -37409,8 +37395,8 @@
           </a:fontRef>
         </p:style>
       </p:cxnSp>
-      <mc:AlternateContent xmlns:mc="http://schemas.openxmlformats.org/markup-compatibility/2006">
-        <mc:Choice xmlns:a14="http://schemas.microsoft.com/office/drawing/2010/main" Requires="a14">
+      <mc:AlternateContent xmlns:mc="http://schemas.openxmlformats.org/markup-compatibility/2006" xmlns:a14="http://schemas.microsoft.com/office/drawing/2010/main">
+        <mc:Choice Requires="a14">
           <p:sp>
             <p:nvSpPr>
               <p:cNvPr id="18" name="CasellaDiTesto 17"/>
@@ -37503,7 +37489,7 @@
             </p:txBody>
           </p:sp>
         </mc:Choice>
-        <mc:Fallback>
+        <mc:Fallback xmlns="">
           <p:sp>
             <p:nvSpPr>
               <p:cNvPr id="18" name="CasellaDiTesto 17"/>
@@ -37672,7 +37658,7 @@
           <p:cNvPr id="5" name="Title 3">
             <a:extLst>
               <a:ext uri="{FF2B5EF4-FFF2-40B4-BE49-F238E27FC236}">
-                <a16:creationId xmlns:a16="http://schemas.microsoft.com/office/drawing/2014/main" xmlns="" id="{189ECF77-714F-4D2C-9D4B-CC43534EF427}"/>
+                <a16:creationId xmlns="" xmlns:a16="http://schemas.microsoft.com/office/drawing/2014/main" id="{189ECF77-714F-4D2C-9D4B-CC43534EF427}"/>
               </a:ext>
             </a:extLst>
           </p:cNvPr>
@@ -37995,23 +37981,7 @@
                 <a:cs typeface="Calibri" pitchFamily="34" charset="0"/>
                 <a:sym typeface="Wingdings" pitchFamily="2" charset="2"/>
               </a:rPr>
-              <a:t>    </a:t>
-            </a:r>
-            <a:r>
-              <a:rPr lang="it-IT" dirty="0" smtClean="0">
-                <a:latin typeface="Calibri" pitchFamily="34" charset="0"/>
-                <a:cs typeface="Calibri" pitchFamily="34" charset="0"/>
-                <a:sym typeface="Wingdings" pitchFamily="2" charset="2"/>
-              </a:rPr>
-              <a:t> l’algoritmo </a:t>
-            </a:r>
-            <a:r>
-              <a:rPr lang="it-IT" dirty="0" smtClean="0">
-                <a:latin typeface="Calibri" pitchFamily="34" charset="0"/>
-                <a:cs typeface="Calibri" pitchFamily="34" charset="0"/>
-                <a:sym typeface="Wingdings" pitchFamily="2" charset="2"/>
-              </a:rPr>
-              <a:t>da utilizzare in fase di </a:t>
+              <a:t>     l’algoritmo da utilizzare in fase di </a:t>
             </a:r>
             <a:r>
               <a:rPr lang="it-IT" b="1" i="1" dirty="0" err="1" smtClean="0">
@@ -38113,7 +38083,7 @@
           <p:cNvPr id="5" name="Title 3">
             <a:extLst>
               <a:ext uri="{FF2B5EF4-FFF2-40B4-BE49-F238E27FC236}">
-                <a16:creationId xmlns:a16="http://schemas.microsoft.com/office/drawing/2014/main" xmlns="" id="{189ECF77-714F-4D2C-9D4B-CC43534EF427}"/>
+                <a16:creationId xmlns="" xmlns:a16="http://schemas.microsoft.com/office/drawing/2014/main" id="{189ECF77-714F-4D2C-9D4B-CC43534EF427}"/>
               </a:ext>
             </a:extLst>
           </p:cNvPr>
@@ -38183,14 +38153,14 @@
           </a:p>
         </p:txBody>
       </p:sp>
-      <mc:AlternateContent xmlns:mc="http://schemas.openxmlformats.org/markup-compatibility/2006">
-        <mc:Choice xmlns:a14="http://schemas.microsoft.com/office/drawing/2010/main" Requires="a14">
+      <mc:AlternateContent xmlns:mc="http://schemas.openxmlformats.org/markup-compatibility/2006" xmlns:a14="http://schemas.microsoft.com/office/drawing/2010/main">
+        <mc:Choice Requires="a14">
           <p:sp>
             <p:nvSpPr>
               <p:cNvPr id="3" name="Rettangolo 2">
                 <a:extLst>
                   <a:ext uri="{FF2B5EF4-FFF2-40B4-BE49-F238E27FC236}">
-                    <a16:creationId xmlns:a16="http://schemas.microsoft.com/office/drawing/2014/main" xmlns="" id="{E905DEB8-2BFA-41BE-9967-84ECE44648DF}"/>
+                    <a16:creationId xmlns="" xmlns:a16="http://schemas.microsoft.com/office/drawing/2014/main" id="{E905DEB8-2BFA-41BE-9967-84ECE44648DF}"/>
                   </a:ext>
                 </a:extLst>
               </p:cNvPr>
@@ -38293,23 +38263,7 @@
                     <a:cs typeface="Calibri" panose="020F0502020204030204" pitchFamily="34" charset="0"/>
                     <a:sym typeface="Wingdings" panose="05000000000000000000" pitchFamily="2" charset="2"/>
                   </a:rPr>
-                  <a:t>     </a:t>
-                </a:r>
-                <a:r>
-                  <a:rPr lang="it-IT" dirty="0" smtClean="0">
-                    <a:latin typeface="Calibri" panose="020F0502020204030204" pitchFamily="34" charset="0"/>
-                    <a:cs typeface="Calibri" panose="020F0502020204030204" pitchFamily="34" charset="0"/>
-                    <a:sym typeface="Wingdings" panose="05000000000000000000" pitchFamily="2" charset="2"/>
-                  </a:rPr>
-                  <a:t> che </a:t>
-                </a:r>
-                <a:r>
-                  <a:rPr lang="it-IT" dirty="0" smtClean="0">
-                    <a:latin typeface="Calibri" panose="020F0502020204030204" pitchFamily="34" charset="0"/>
-                    <a:cs typeface="Calibri" panose="020F0502020204030204" pitchFamily="34" charset="0"/>
-                    <a:sym typeface="Wingdings" panose="05000000000000000000" pitchFamily="2" charset="2"/>
-                  </a:rPr>
-                  <a:t>esprimono opinioni opposte alle proprie;</a:t>
+                  <a:t>      che esprimono opinioni opposte alle proprie;</a:t>
                 </a:r>
               </a:p>
               <a:p>
@@ -38820,7 +38774,7 @@
             </p:txBody>
           </p:sp>
         </mc:Choice>
-        <mc:Fallback>
+        <mc:Fallback xmlns="">
           <p:sp>
             <p:nvSpPr>
               <p:cNvPr id="3" name="Rettangolo 2">
@@ -38910,7 +38864,7 @@
         </p:nvSpPr>
         <p:spPr>
           <a:xfrm>
-            <a:off x="2370297" y="1462376"/>
+            <a:off x="2370297" y="1059582"/>
             <a:ext cx="5730095" cy="2554545"/>
           </a:xfrm>
           <a:prstGeom prst="rect">
@@ -39295,7 +39249,7 @@
           <p:cNvPr id="1026" name="Picture 2" descr="Risultati immagini per twitter vector logo">
             <a:extLst>
               <a:ext uri="{FF2B5EF4-FFF2-40B4-BE49-F238E27FC236}">
-                <a16:creationId xmlns:a16="http://schemas.microsoft.com/office/drawing/2014/main" xmlns="" id="{D889CC7C-9C8B-4FC7-BEA6-94A9A901435D}"/>
+                <a16:creationId xmlns="" xmlns:a16="http://schemas.microsoft.com/office/drawing/2014/main" id="{D889CC7C-9C8B-4FC7-BEA6-94A9A901435D}"/>
               </a:ext>
             </a:extLst>
           </p:cNvPr>
@@ -39379,7 +39333,7 @@
           <p:cNvPr id="5" name="Title 3">
             <a:extLst>
               <a:ext uri="{FF2B5EF4-FFF2-40B4-BE49-F238E27FC236}">
-                <a16:creationId xmlns:a16="http://schemas.microsoft.com/office/drawing/2014/main" xmlns="" id="{4B902CC3-75DB-41C6-B4AA-1F2B71CA058B}"/>
+                <a16:creationId xmlns="" xmlns:a16="http://schemas.microsoft.com/office/drawing/2014/main" id="{4B902CC3-75DB-41C6-B4AA-1F2B71CA058B}"/>
               </a:ext>
             </a:extLst>
           </p:cNvPr>
@@ -39434,7 +39388,7 @@
           <p:cNvPr id="6" name="Rettangolo 5">
             <a:extLst>
               <a:ext uri="{FF2B5EF4-FFF2-40B4-BE49-F238E27FC236}">
-                <a16:creationId xmlns:a16="http://schemas.microsoft.com/office/drawing/2014/main" xmlns="" id="{34D4963A-74A1-4455-8FDA-78E85A45FA8B}"/>
+                <a16:creationId xmlns="" xmlns:a16="http://schemas.microsoft.com/office/drawing/2014/main" id="{34D4963A-74A1-4455-8FDA-78E85A45FA8B}"/>
               </a:ext>
             </a:extLst>
           </p:cNvPr>
@@ -39616,7 +39570,7 @@
           <p:cNvPr id="7" name="Immagine 6">
             <a:extLst>
               <a:ext uri="{FF2B5EF4-FFF2-40B4-BE49-F238E27FC236}">
-                <a16:creationId xmlns:a16="http://schemas.microsoft.com/office/drawing/2014/main" xmlns="" id="{AF3703D5-DAD7-460C-ADBE-3A301D9A2FE4}"/>
+                <a16:creationId xmlns="" xmlns:a16="http://schemas.microsoft.com/office/drawing/2014/main" id="{AF3703D5-DAD7-460C-ADBE-3A301D9A2FE4}"/>
               </a:ext>
             </a:extLst>
           </p:cNvPr>
@@ -39652,7 +39606,7 @@
           <p:cNvPr id="8" name="Immagine 7" descr="Immagine che contiene clipart&#10;&#10;Descrizione generata con affidabilità elevata">
             <a:extLst>
               <a:ext uri="{FF2B5EF4-FFF2-40B4-BE49-F238E27FC236}">
-                <a16:creationId xmlns:a16="http://schemas.microsoft.com/office/drawing/2014/main" xmlns="" id="{8B09EFF9-4415-439B-9132-80DBE3EA395C}"/>
+                <a16:creationId xmlns="" xmlns:a16="http://schemas.microsoft.com/office/drawing/2014/main" id="{8B09EFF9-4415-439B-9132-80DBE3EA395C}"/>
               </a:ext>
             </a:extLst>
           </p:cNvPr>
@@ -39688,7 +39642,7 @@
           <p:cNvPr id="9" name="CasellaDiTesto 8">
             <a:extLst>
               <a:ext uri="{FF2B5EF4-FFF2-40B4-BE49-F238E27FC236}">
-                <a16:creationId xmlns:a16="http://schemas.microsoft.com/office/drawing/2014/main" xmlns="" id="{C240CA17-907D-48B7-9B44-F721E8F121F1}"/>
+                <a16:creationId xmlns="" xmlns:a16="http://schemas.microsoft.com/office/drawing/2014/main" id="{C240CA17-907D-48B7-9B44-F721E8F121F1}"/>
               </a:ext>
             </a:extLst>
           </p:cNvPr>
@@ -39729,7 +39683,7 @@
           <p:cNvPr id="10" name="CasellaDiTesto 9">
             <a:extLst>
               <a:ext uri="{FF2B5EF4-FFF2-40B4-BE49-F238E27FC236}">
-                <a16:creationId xmlns:a16="http://schemas.microsoft.com/office/drawing/2014/main" xmlns="" id="{122FF84E-387F-42FF-8447-215229458BC0}"/>
+                <a16:creationId xmlns="" xmlns:a16="http://schemas.microsoft.com/office/drawing/2014/main" id="{122FF84E-387F-42FF-8447-215229458BC0}"/>
               </a:ext>
             </a:extLst>
           </p:cNvPr>
@@ -39770,7 +39724,7 @@
           <p:cNvPr id="14" name="Connettore 2 13">
             <a:extLst>
               <a:ext uri="{FF2B5EF4-FFF2-40B4-BE49-F238E27FC236}">
-                <a16:creationId xmlns:a16="http://schemas.microsoft.com/office/drawing/2014/main" xmlns="" id="{240377C1-CB13-43A4-8F95-EB652CADEE65}"/>
+                <a16:creationId xmlns="" xmlns:a16="http://schemas.microsoft.com/office/drawing/2014/main" id="{240377C1-CB13-43A4-8F95-EB652CADEE65}"/>
               </a:ext>
             </a:extLst>
           </p:cNvPr>
@@ -39825,7 +39779,7 @@
           <p:cNvPr id="15" name="CasellaDiTesto 14">
             <a:extLst>
               <a:ext uri="{FF2B5EF4-FFF2-40B4-BE49-F238E27FC236}">
-                <a16:creationId xmlns:a16="http://schemas.microsoft.com/office/drawing/2014/main" xmlns="" id="{0FA5EFC3-169A-4B11-BF0C-7BD04846D93B}"/>
+                <a16:creationId xmlns="" xmlns:a16="http://schemas.microsoft.com/office/drawing/2014/main" id="{0FA5EFC3-169A-4B11-BF0C-7BD04846D93B}"/>
               </a:ext>
             </a:extLst>
           </p:cNvPr>
@@ -39934,7 +39888,7 @@
           <p:cNvPr id="5" name="Title 3">
             <a:extLst>
               <a:ext uri="{FF2B5EF4-FFF2-40B4-BE49-F238E27FC236}">
-                <a16:creationId xmlns:a16="http://schemas.microsoft.com/office/drawing/2014/main" xmlns="" id="{096E5434-7A74-4C64-89EF-6B1922B7AB16}"/>
+                <a16:creationId xmlns="" xmlns:a16="http://schemas.microsoft.com/office/drawing/2014/main" id="{096E5434-7A74-4C64-89EF-6B1922B7AB16}"/>
               </a:ext>
             </a:extLst>
           </p:cNvPr>
@@ -39989,7 +39943,7 @@
           <p:cNvPr id="6" name="CasellaDiTesto 5">
             <a:extLst>
               <a:ext uri="{FF2B5EF4-FFF2-40B4-BE49-F238E27FC236}">
-                <a16:creationId xmlns:a16="http://schemas.microsoft.com/office/drawing/2014/main" xmlns="" id="{DECCD907-1491-4E0C-9EB6-42C0FED72813}"/>
+                <a16:creationId xmlns="" xmlns:a16="http://schemas.microsoft.com/office/drawing/2014/main" id="{DECCD907-1491-4E0C-9EB6-42C0FED72813}"/>
               </a:ext>
             </a:extLst>
           </p:cNvPr>
@@ -40084,7 +40038,7 @@
           <p:cNvPr id="1026" name="Picture 2" descr="Immagine correlata">
             <a:extLst>
               <a:ext uri="{FF2B5EF4-FFF2-40B4-BE49-F238E27FC236}">
-                <a16:creationId xmlns:a16="http://schemas.microsoft.com/office/drawing/2014/main" xmlns="" id="{4DEEC977-158D-4FF8-A634-FED5C0A1F149}"/>
+                <a16:creationId xmlns="" xmlns:a16="http://schemas.microsoft.com/office/drawing/2014/main" id="{4DEEC977-158D-4FF8-A634-FED5C0A1F149}"/>
               </a:ext>
             </a:extLst>
           </p:cNvPr>
@@ -40131,7 +40085,7 @@
           <p:cNvPr id="8" name="CasellaDiTesto 7">
             <a:extLst>
               <a:ext uri="{FF2B5EF4-FFF2-40B4-BE49-F238E27FC236}">
-                <a16:creationId xmlns:a16="http://schemas.microsoft.com/office/drawing/2014/main" xmlns="" id="{422B22D0-A925-4E81-8629-21C4219E2051}"/>
+                <a16:creationId xmlns="" xmlns:a16="http://schemas.microsoft.com/office/drawing/2014/main" id="{422B22D0-A925-4E81-8629-21C4219E2051}"/>
               </a:ext>
             </a:extLst>
           </p:cNvPr>
@@ -40207,7 +40161,7 @@
           <p:cNvPr id="9" name="Connettore 2 8">
             <a:extLst>
               <a:ext uri="{FF2B5EF4-FFF2-40B4-BE49-F238E27FC236}">
-                <a16:creationId xmlns:a16="http://schemas.microsoft.com/office/drawing/2014/main" xmlns="" id="{B3EBC103-C224-4D98-B09E-EF0B1BD22D62}"/>
+                <a16:creationId xmlns="" xmlns:a16="http://schemas.microsoft.com/office/drawing/2014/main" id="{B3EBC103-C224-4D98-B09E-EF0B1BD22D62}"/>
               </a:ext>
             </a:extLst>
           </p:cNvPr>
@@ -40249,7 +40203,7 @@
           <p:cNvPr id="10" name="Rettangolo 9">
             <a:extLst>
               <a:ext uri="{FF2B5EF4-FFF2-40B4-BE49-F238E27FC236}">
-                <a16:creationId xmlns:a16="http://schemas.microsoft.com/office/drawing/2014/main" xmlns="" id="{197F89FE-FC4A-44AD-9080-7EB17BA3B63C}"/>
+                <a16:creationId xmlns="" xmlns:a16="http://schemas.microsoft.com/office/drawing/2014/main" id="{197F89FE-FC4A-44AD-9080-7EB17BA3B63C}"/>
               </a:ext>
             </a:extLst>
           </p:cNvPr>
@@ -40340,7 +40294,7 @@
           <p:cNvPr id="15" name="Rettangolo 14">
             <a:extLst>
               <a:ext uri="{FF2B5EF4-FFF2-40B4-BE49-F238E27FC236}">
-                <a16:creationId xmlns:a16="http://schemas.microsoft.com/office/drawing/2014/main" xmlns="" id="{6434515A-0CE7-46E1-9E5D-42505E037869}"/>
+                <a16:creationId xmlns="" xmlns:a16="http://schemas.microsoft.com/office/drawing/2014/main" id="{6434515A-0CE7-46E1-9E5D-42505E037869}"/>
               </a:ext>
             </a:extLst>
           </p:cNvPr>
@@ -40436,7 +40390,7 @@
           <p:cNvPr id="17" name="Connettore 2 16">
             <a:extLst>
               <a:ext uri="{FF2B5EF4-FFF2-40B4-BE49-F238E27FC236}">
-                <a16:creationId xmlns:a16="http://schemas.microsoft.com/office/drawing/2014/main" xmlns="" id="{99BFB39E-1B50-4D9F-B143-7E9CC03FDDCB}"/>
+                <a16:creationId xmlns="" xmlns:a16="http://schemas.microsoft.com/office/drawing/2014/main" id="{99BFB39E-1B50-4D9F-B143-7E9CC03FDDCB}"/>
               </a:ext>
             </a:extLst>
           </p:cNvPr>
@@ -40517,7 +40471,7 @@
           <p:cNvPr id="5" name="Title 3">
             <a:extLst>
               <a:ext uri="{FF2B5EF4-FFF2-40B4-BE49-F238E27FC236}">
-                <a16:creationId xmlns:a16="http://schemas.microsoft.com/office/drawing/2014/main" xmlns="" id="{F4F459AA-9D70-4285-920E-38B993241E77}"/>
+                <a16:creationId xmlns="" xmlns:a16="http://schemas.microsoft.com/office/drawing/2014/main" id="{F4F459AA-9D70-4285-920E-38B993241E77}"/>
               </a:ext>
             </a:extLst>
           </p:cNvPr>
@@ -40587,14 +40541,14 @@
           </a:p>
         </p:txBody>
       </p:sp>
-      <mc:AlternateContent xmlns:mc="http://schemas.openxmlformats.org/markup-compatibility/2006">
-        <mc:Choice xmlns:a14="http://schemas.microsoft.com/office/drawing/2010/main" Requires="a14">
+      <mc:AlternateContent xmlns:mc="http://schemas.openxmlformats.org/markup-compatibility/2006" xmlns:a14="http://schemas.microsoft.com/office/drawing/2010/main">
+        <mc:Choice Requires="a14">
           <p:sp>
             <p:nvSpPr>
               <p:cNvPr id="6" name="Rettangolo 5">
                 <a:extLst>
                   <a:ext uri="{FF2B5EF4-FFF2-40B4-BE49-F238E27FC236}">
-                    <a16:creationId xmlns:a16="http://schemas.microsoft.com/office/drawing/2014/main" xmlns="" id="{B2DAE42D-6981-4258-A997-350AEC1248D1}"/>
+                    <a16:creationId xmlns="" xmlns:a16="http://schemas.microsoft.com/office/drawing/2014/main" id="{B2DAE42D-6981-4258-A997-350AEC1248D1}"/>
                   </a:ext>
                 </a:extLst>
               </p:cNvPr>
@@ -41088,7 +41042,7 @@
             </p:txBody>
           </p:sp>
         </mc:Choice>
-        <mc:Fallback>
+        <mc:Fallback xmlns="">
           <p:sp>
             <p:nvSpPr>
               <p:cNvPr id="6" name="Rettangolo 5">
@@ -41138,7 +41092,7 @@
           <p:cNvPr id="8" name="CasellaDiTesto 7">
             <a:extLst>
               <a:ext uri="{FF2B5EF4-FFF2-40B4-BE49-F238E27FC236}">
-                <a16:creationId xmlns:a16="http://schemas.microsoft.com/office/drawing/2014/main" xmlns="" id="{8B0801A2-6519-4569-95A9-BB7590321AD9}"/>
+                <a16:creationId xmlns="" xmlns:a16="http://schemas.microsoft.com/office/drawing/2014/main" id="{8B0801A2-6519-4569-95A9-BB7590321AD9}"/>
               </a:ext>
             </a:extLst>
           </p:cNvPr>
@@ -41498,17 +41452,19 @@
           <p:cNvPr id="10" name="Connettore 2 9">
             <a:extLst>
               <a:ext uri="{FF2B5EF4-FFF2-40B4-BE49-F238E27FC236}">
-                <a16:creationId xmlns:a16="http://schemas.microsoft.com/office/drawing/2014/main" xmlns="" id="{3E71D179-9BB9-40A9-B4D8-958D015E4F75}"/>
+                <a16:creationId xmlns="" xmlns:a16="http://schemas.microsoft.com/office/drawing/2014/main" id="{3E71D179-9BB9-40A9-B4D8-958D015E4F75}"/>
               </a:ext>
             </a:extLst>
           </p:cNvPr>
-          <p:cNvCxnSpPr/>
+          <p:cNvCxnSpPr>
+            <a:endCxn id="14" idx="3"/>
+          </p:cNvCxnSpPr>
           <p:nvPr/>
         </p:nvCxnSpPr>
         <p:spPr>
           <a:xfrm flipH="1" flipV="1">
-            <a:off x="4283968" y="3003798"/>
-            <a:ext cx="288032" cy="162018"/>
+            <a:off x="4353649" y="3009315"/>
+            <a:ext cx="218351" cy="156502"/>
           </a:xfrm>
           <a:prstGeom prst="straightConnector1">
             <a:avLst/>
@@ -41537,17 +41493,19 @@
           <p:cNvPr id="12" name="Connettore 2 11">
             <a:extLst>
               <a:ext uri="{FF2B5EF4-FFF2-40B4-BE49-F238E27FC236}">
-                <a16:creationId xmlns:a16="http://schemas.microsoft.com/office/drawing/2014/main" xmlns="" id="{1BE3D6CD-BA35-49B2-B9E9-3F62FDBF378A}"/>
+                <a16:creationId xmlns="" xmlns:a16="http://schemas.microsoft.com/office/drawing/2014/main" id="{1BE3D6CD-BA35-49B2-B9E9-3F62FDBF378A}"/>
               </a:ext>
             </a:extLst>
           </p:cNvPr>
-          <p:cNvCxnSpPr/>
+          <p:cNvCxnSpPr>
+            <a:endCxn id="15" idx="1"/>
+          </p:cNvCxnSpPr>
           <p:nvPr/>
         </p:nvCxnSpPr>
         <p:spPr>
           <a:xfrm flipV="1">
-            <a:off x="4860032" y="3003798"/>
-            <a:ext cx="216024" cy="162018"/>
+            <a:off x="4860032" y="3009315"/>
+            <a:ext cx="223160" cy="156502"/>
           </a:xfrm>
           <a:prstGeom prst="straightConnector1">
             <a:avLst/>
@@ -41576,7 +41534,7 @@
           <p:cNvPr id="14" name="CasellaDiTesto 13">
             <a:extLst>
               <a:ext uri="{FF2B5EF4-FFF2-40B4-BE49-F238E27FC236}">
-                <a16:creationId xmlns:a16="http://schemas.microsoft.com/office/drawing/2014/main" xmlns="" id="{52C41119-C267-4F95-B13B-D175F8FAD467}"/>
+                <a16:creationId xmlns="" xmlns:a16="http://schemas.microsoft.com/office/drawing/2014/main" id="{52C41119-C267-4F95-B13B-D175F8FAD467}"/>
               </a:ext>
             </a:extLst>
           </p:cNvPr>
@@ -41585,7 +41543,7 @@
         </p:nvSpPr>
         <p:spPr>
           <a:xfrm>
-            <a:off x="3635897" y="2787774"/>
+            <a:off x="3131840" y="2870815"/>
             <a:ext cx="1221809" cy="276999"/>
           </a:xfrm>
           <a:prstGeom prst="rect">
@@ -41634,7 +41592,7 @@
           <p:cNvPr id="15" name="CasellaDiTesto 14">
             <a:extLst>
               <a:ext uri="{FF2B5EF4-FFF2-40B4-BE49-F238E27FC236}">
-                <a16:creationId xmlns:a16="http://schemas.microsoft.com/office/drawing/2014/main" xmlns="" id="{7739B639-5ED7-46CE-8E1E-A9D9A3526EA0}"/>
+                <a16:creationId xmlns="" xmlns:a16="http://schemas.microsoft.com/office/drawing/2014/main" id="{7739B639-5ED7-46CE-8E1E-A9D9A3526EA0}"/>
               </a:ext>
             </a:extLst>
           </p:cNvPr>
@@ -41643,7 +41601,7 @@
         </p:nvSpPr>
         <p:spPr>
           <a:xfrm>
-            <a:off x="4788025" y="2798807"/>
+            <a:off x="5083192" y="2870815"/>
             <a:ext cx="1217000" cy="276999"/>
           </a:xfrm>
           <a:prstGeom prst="rect">
@@ -41729,7 +41687,7 @@
           <p:cNvPr id="5" name="Title 3">
             <a:extLst>
               <a:ext uri="{FF2B5EF4-FFF2-40B4-BE49-F238E27FC236}">
-                <a16:creationId xmlns:a16="http://schemas.microsoft.com/office/drawing/2014/main" xmlns="" id="{189ECF77-714F-4D2C-9D4B-CC43534EF427}"/>
+                <a16:creationId xmlns="" xmlns:a16="http://schemas.microsoft.com/office/drawing/2014/main" id="{189ECF77-714F-4D2C-9D4B-CC43534EF427}"/>
               </a:ext>
             </a:extLst>
           </p:cNvPr>
@@ -41799,14 +41757,14 @@
           </a:p>
         </p:txBody>
       </p:sp>
-      <mc:AlternateContent xmlns:mc="http://schemas.openxmlformats.org/markup-compatibility/2006">
-        <mc:Choice xmlns:a14="http://schemas.microsoft.com/office/drawing/2010/main" Requires="a14">
+      <mc:AlternateContent xmlns:mc="http://schemas.openxmlformats.org/markup-compatibility/2006" xmlns:a14="http://schemas.microsoft.com/office/drawing/2010/main">
+        <mc:Choice Requires="a14">
           <p:sp>
             <p:nvSpPr>
               <p:cNvPr id="6" name="Rettangolo 5">
                 <a:extLst>
                   <a:ext uri="{FF2B5EF4-FFF2-40B4-BE49-F238E27FC236}">
-                    <a16:creationId xmlns:a16="http://schemas.microsoft.com/office/drawing/2014/main" xmlns="" id="{A34D05E0-D21E-4851-84DD-833555197E5F}"/>
+                    <a16:creationId xmlns="" xmlns:a16="http://schemas.microsoft.com/office/drawing/2014/main" id="{A34D05E0-D21E-4851-84DD-833555197E5F}"/>
                   </a:ext>
                 </a:extLst>
               </p:cNvPr>
@@ -42367,7 +42325,7 @@
             </p:txBody>
           </p:sp>
         </mc:Choice>
-        <mc:Fallback>
+        <mc:Fallback xmlns="">
           <p:sp>
             <p:nvSpPr>
               <p:cNvPr id="6" name="Rettangolo 5">
@@ -42598,7 +42556,7 @@
           <p:cNvPr id="5" name="Title 3">
             <a:extLst>
               <a:ext uri="{FF2B5EF4-FFF2-40B4-BE49-F238E27FC236}">
-                <a16:creationId xmlns:a16="http://schemas.microsoft.com/office/drawing/2014/main" xmlns="" id="{189ECF77-714F-4D2C-9D4B-CC43534EF427}"/>
+                <a16:creationId xmlns="" xmlns:a16="http://schemas.microsoft.com/office/drawing/2014/main" id="{189ECF77-714F-4D2C-9D4B-CC43534EF427}"/>
               </a:ext>
             </a:extLst>
           </p:cNvPr>
@@ -42668,8 +42626,8 @@
           </a:p>
         </p:txBody>
       </p:sp>
-      <mc:AlternateContent xmlns:mc="http://schemas.openxmlformats.org/markup-compatibility/2006">
-        <mc:Choice xmlns:a14="http://schemas.microsoft.com/office/drawing/2010/main" Requires="a14">
+      <mc:AlternateContent xmlns:mc="http://schemas.openxmlformats.org/markup-compatibility/2006" xmlns:a14="http://schemas.microsoft.com/office/drawing/2010/main">
+        <mc:Choice Requires="a14">
           <p:sp>
             <p:nvSpPr>
               <p:cNvPr id="6" name="Rettangolo 5"/>
@@ -43155,7 +43113,7 @@
             </p:txBody>
           </p:sp>
         </mc:Choice>
-        <mc:Fallback>
+        <mc:Fallback xmlns="">
           <p:sp>
             <p:nvSpPr>
               <p:cNvPr id="6" name="Rettangolo 5"/>
@@ -44114,7 +44072,7 @@
   <a:extraClrSchemeLst/>
   <a:extLst>
     <a:ext uri="{05A4C25C-085E-4340-85A3-A5531E510DB2}">
-      <thm15:themeFamily xmlns:thm15="http://schemas.microsoft.com/office/thememl/2012/main" xmlns="" name="Office Theme" id="{62F939B6-93AF-4DB8-9C6B-D6C7DFDC589F}" vid="{4A3C46E8-61CC-4603-A589-7422A47A8E4A}"/>
+      <thm15:themeFamily xmlns="" xmlns:thm15="http://schemas.microsoft.com/office/thememl/2012/main" name="Office Theme" id="{62F939B6-93AF-4DB8-9C6B-D6C7DFDC589F}" vid="{4A3C46E8-61CC-4603-A589-7422A47A8E4A}"/>
     </a:ext>
   </a:extLst>
 </a:theme>

--- a/PRESENTAZIONE_TESI/presentazione_agostini_stefano_16_9.pptx
+++ b/PRESENTAZIONE_TESI/presentazione_agostini_stefano_16_9.pptx
@@ -288,7 +288,7 @@
           <a:p>
             <a:fld id="{D9998136-BDF3-4CD5-9A25-953B69557AFC}" type="datetimeFigureOut">
               <a:rPr lang="it-IT" smtClean="0"/>
-              <a:t>16/07/2018</a:t>
+              <a:t>17/07/2018</a:t>
             </a:fld>
             <a:endParaRPr lang="it-IT"/>
           </a:p>
@@ -746,7 +746,7 @@
           <a:p>
             <a:fld id="{18DCCD61-643D-44A5-A450-3A42A50CBC1E}" type="datetimeFigureOut">
               <a:rPr lang="en-US" smtClean="0"/>
-              <a:t>7/16/2018</a:t>
+              <a:t>7/17/2018</a:t>
             </a:fld>
             <a:endParaRPr lang="en-US" dirty="0"/>
           </a:p>
@@ -1021,7 +1021,7 @@
           <a:p>
             <a:fld id="{18DCCD61-643D-44A5-A450-3A42A50CBC1E}" type="datetimeFigureOut">
               <a:rPr lang="en-US" smtClean="0"/>
-              <a:t>7/16/2018</a:t>
+              <a:t>7/17/2018</a:t>
             </a:fld>
             <a:endParaRPr lang="en-US" dirty="0"/>
           </a:p>
@@ -1273,7 +1273,7 @@
           <a:p>
             <a:fld id="{18DCCD61-643D-44A5-A450-3A42A50CBC1E}" type="datetimeFigureOut">
               <a:rPr lang="en-US" smtClean="0"/>
-              <a:t>7/16/2018</a:t>
+              <a:t>7/17/2018</a:t>
             </a:fld>
             <a:endParaRPr lang="en-US" dirty="0"/>
           </a:p>
@@ -1441,7 +1441,7 @@
           <a:p>
             <a:fld id="{18DCCD61-643D-44A5-A450-3A42A50CBC1E}" type="datetimeFigureOut">
               <a:rPr lang="en-US" smtClean="0"/>
-              <a:t>7/16/2018</a:t>
+              <a:t>7/17/2018</a:t>
             </a:fld>
             <a:endParaRPr lang="en-US" dirty="0"/>
           </a:p>
@@ -1619,7 +1619,7 @@
           <a:p>
             <a:fld id="{18DCCD61-643D-44A5-A450-3A42A50CBC1E}" type="datetimeFigureOut">
               <a:rPr lang="en-US" smtClean="0"/>
-              <a:t>7/16/2018</a:t>
+              <a:t>7/17/2018</a:t>
             </a:fld>
             <a:endParaRPr lang="en-US" dirty="0"/>
           </a:p>
@@ -2207,7 +2207,7 @@
           <a:p>
             <a:fld id="{18DCCD61-643D-44A5-A450-3A42A50CBC1E}" type="datetimeFigureOut">
               <a:rPr lang="en-US" smtClean="0"/>
-              <a:t>7/16/2018</a:t>
+              <a:t>7/17/2018</a:t>
             </a:fld>
             <a:endParaRPr lang="en-US" dirty="0"/>
           </a:p>
@@ -2375,7 +2375,7 @@
           <a:p>
             <a:fld id="{18DCCD61-643D-44A5-A450-3A42A50CBC1E}" type="datetimeFigureOut">
               <a:rPr lang="en-US" smtClean="0"/>
-              <a:t>7/16/2018</a:t>
+              <a:t>7/17/2018</a:t>
             </a:fld>
             <a:endParaRPr lang="en-US" dirty="0"/>
           </a:p>
@@ -2620,7 +2620,7 @@
           <a:p>
             <a:fld id="{18DCCD61-643D-44A5-A450-3A42A50CBC1E}" type="datetimeFigureOut">
               <a:rPr lang="en-US" smtClean="0"/>
-              <a:t>7/16/2018</a:t>
+              <a:t>7/17/2018</a:t>
             </a:fld>
             <a:endParaRPr lang="en-US" dirty="0"/>
           </a:p>
@@ -2905,7 +2905,7 @@
           <a:p>
             <a:fld id="{18DCCD61-643D-44A5-A450-3A42A50CBC1E}" type="datetimeFigureOut">
               <a:rPr lang="en-US" smtClean="0"/>
-              <a:t>7/16/2018</a:t>
+              <a:t>7/17/2018</a:t>
             </a:fld>
             <a:endParaRPr lang="en-US" dirty="0"/>
           </a:p>
@@ -3324,7 +3324,7 @@
           <a:p>
             <a:fld id="{18DCCD61-643D-44A5-A450-3A42A50CBC1E}" type="datetimeFigureOut">
               <a:rPr lang="en-US" smtClean="0"/>
-              <a:t>7/16/2018</a:t>
+              <a:t>7/17/2018</a:t>
             </a:fld>
             <a:endParaRPr lang="en-US" dirty="0"/>
           </a:p>
@@ -3441,7 +3441,7 @@
           <a:p>
             <a:fld id="{18DCCD61-643D-44A5-A450-3A42A50CBC1E}" type="datetimeFigureOut">
               <a:rPr lang="en-US" smtClean="0"/>
-              <a:t>7/16/2018</a:t>
+              <a:t>7/17/2018</a:t>
             </a:fld>
             <a:endParaRPr lang="en-US" dirty="0"/>
           </a:p>
@@ -3943,7 +3943,7 @@
           <a:p>
             <a:fld id="{18DCCD61-643D-44A5-A450-3A42A50CBC1E}" type="datetimeFigureOut">
               <a:rPr lang="en-US" smtClean="0"/>
-              <a:t>7/16/2018</a:t>
+              <a:t>7/17/2018</a:t>
             </a:fld>
             <a:endParaRPr lang="en-US" dirty="0"/>
           </a:p>
@@ -5129,21 +5129,35 @@
           <a:p>
             <a:pPr algn="just"/>
             <a:r>
+              <a:rPr lang="it-IT" i="1" dirty="0">
+                <a:latin typeface="Calibri" pitchFamily="34" charset="0"/>
+                <a:cs typeface="Calibri" pitchFamily="34" charset="0"/>
+              </a:rPr>
+              <a:t>       </a:t>
+            </a:r>
+            <a:r>
               <a:rPr lang="it-IT" i="1" u="sng" dirty="0">
                 <a:latin typeface="Calibri" pitchFamily="34" charset="0"/>
                 <a:cs typeface="Calibri" pitchFamily="34" charset="0"/>
               </a:rPr>
-              <a:t>       possibili archi diretti, non presenti ancora nel grafo, che abbiano come   </a:t>
+              <a:t>possibili archi diretti, non presenti ancora nel grafo, che abbiano come   </a:t>
             </a:r>
           </a:p>
           <a:p>
             <a:pPr algn="just"/>
             <a:r>
+              <a:rPr lang="it-IT" i="1" dirty="0">
+                <a:latin typeface="Calibri" pitchFamily="34" charset="0"/>
+                <a:cs typeface="Calibri" pitchFamily="34" charset="0"/>
+              </a:rPr>
+              <a:t>       </a:t>
+            </a:r>
+            <a:r>
               <a:rPr lang="it-IT" i="1" u="sng" dirty="0">
                 <a:latin typeface="Calibri" pitchFamily="34" charset="0"/>
                 <a:cs typeface="Calibri" pitchFamily="34" charset="0"/>
               </a:rPr>
-              <a:t>       estremi un vertice dell’insieme </a:t>
+              <a:t>estremi un vertice dell’insieme </a:t>
             </a:r>
             <a:r>
               <a:rPr lang="it-IT" b="1" i="1" u="sng" dirty="0">
@@ -5548,156 +5562,14 @@
           <a:lstStyle/>
           <a:p>
             <a:pPr algn="just"/>
-            <a:r>
-              <a:rPr lang="it-IT" dirty="0">
-                <a:latin typeface="Calibri" panose="020F0502020204030204" pitchFamily="34" charset="0"/>
-                <a:cs typeface="Calibri" panose="020F0502020204030204" pitchFamily="34" charset="0"/>
-                <a:sym typeface="Wingdings" panose="05000000000000000000" pitchFamily="2" charset="2"/>
-              </a:rPr>
-              <a:t>Ad ogni </a:t>
-            </a:r>
-            <a:r>
-              <a:rPr lang="it-IT" b="1" dirty="0">
-                <a:solidFill>
-                  <a:srgbClr val="00B050"/>
-                </a:solidFill>
-                <a:latin typeface="Calibri" panose="020F0502020204030204" pitchFamily="34" charset="0"/>
-                <a:cs typeface="Calibri" panose="020F0502020204030204" pitchFamily="34" charset="0"/>
-                <a:sym typeface="Wingdings" panose="05000000000000000000" pitchFamily="2" charset="2"/>
-              </a:rPr>
-              <a:t>arco </a:t>
-            </a:r>
-            <a:r>
-              <a:rPr lang="it-IT" b="1" i="1" dirty="0">
-                <a:solidFill>
-                  <a:srgbClr val="00B050"/>
-                </a:solidFill>
-                <a:latin typeface="Calibri" panose="020F0502020204030204" pitchFamily="34" charset="0"/>
-                <a:cs typeface="Calibri" panose="020F0502020204030204" pitchFamily="34" charset="0"/>
-                <a:sym typeface="Wingdings" panose="05000000000000000000" pitchFamily="2" charset="2"/>
-              </a:rPr>
-              <a:t>e</a:t>
-            </a:r>
-            <a:r>
-              <a:rPr lang="it-IT" b="1" i="1" dirty="0">
-                <a:solidFill>
-                  <a:srgbClr val="92D050"/>
-                </a:solidFill>
-                <a:latin typeface="Calibri" panose="020F0502020204030204" pitchFamily="34" charset="0"/>
-                <a:cs typeface="Calibri" panose="020F0502020204030204" pitchFamily="34" charset="0"/>
-                <a:sym typeface="Wingdings" panose="05000000000000000000" pitchFamily="2" charset="2"/>
-              </a:rPr>
-              <a:t> </a:t>
-            </a:r>
-            <a:r>
-              <a:rPr lang="it-IT" dirty="0">
-                <a:latin typeface="Calibri" panose="020F0502020204030204" pitchFamily="34" charset="0"/>
-                <a:cs typeface="Calibri" panose="020F0502020204030204" pitchFamily="34" charset="0"/>
-                <a:sym typeface="Wingdings" panose="05000000000000000000" pitchFamily="2" charset="2"/>
-              </a:rPr>
-              <a:t>del dominio è associato il corrispondente </a:t>
-            </a:r>
-            <a:r>
-              <a:rPr lang="it-IT" b="1" i="1" dirty="0">
-                <a:solidFill>
-                  <a:srgbClr val="00B050"/>
-                </a:solidFill>
-                <a:latin typeface="Calibri" panose="020F0502020204030204" pitchFamily="34" charset="0"/>
-                <a:cs typeface="Calibri" panose="020F0502020204030204" pitchFamily="34" charset="0"/>
-                <a:sym typeface="Symbol"/>
-              </a:rPr>
-              <a:t></a:t>
-            </a:r>
-            <a:r>
-              <a:rPr lang="it-IT" b="1" i="1" dirty="0" err="1">
-                <a:solidFill>
-                  <a:srgbClr val="00B050"/>
-                </a:solidFill>
-                <a:latin typeface="Calibri" panose="020F0502020204030204" pitchFamily="34" charset="0"/>
-                <a:cs typeface="Calibri" panose="020F0502020204030204" pitchFamily="34" charset="0"/>
-                <a:sym typeface="Symbol"/>
-              </a:rPr>
-              <a:t>RWC</a:t>
-            </a:r>
-            <a:r>
-              <a:rPr lang="it-IT" b="1" i="1" baseline="-25000" dirty="0" err="1">
-                <a:solidFill>
-                  <a:srgbClr val="00B050"/>
-                </a:solidFill>
-                <a:latin typeface="Calibri" panose="020F0502020204030204" pitchFamily="34" charset="0"/>
-                <a:cs typeface="Calibri" panose="020F0502020204030204" pitchFamily="34" charset="0"/>
-                <a:sym typeface="Symbol"/>
-              </a:rPr>
-              <a:t>e</a:t>
-            </a:r>
-            <a:r>
-              <a:rPr lang="it-IT" dirty="0">
-                <a:latin typeface="Calibri" panose="020F0502020204030204" pitchFamily="34" charset="0"/>
-                <a:cs typeface="Calibri" panose="020F0502020204030204" pitchFamily="34" charset="0"/>
-                <a:sym typeface="Symbol"/>
-              </a:rPr>
-              <a:t>, ossia il </a:t>
-            </a:r>
+            <a:endParaRPr lang="it-IT" dirty="0" smtClean="0">
+              <a:latin typeface="Calibri" panose="020F0502020204030204" pitchFamily="34" charset="0"/>
+              <a:cs typeface="Calibri" panose="020F0502020204030204" pitchFamily="34" charset="0"/>
+              <a:sym typeface="Wingdings" panose="05000000000000000000" pitchFamily="2" charset="2"/>
+            </a:endParaRPr>
           </a:p>
           <a:p>
             <a:pPr algn="just"/>
-            <a:r>
-              <a:rPr lang="it-IT" dirty="0">
-                <a:latin typeface="Calibri" panose="020F0502020204030204" pitchFamily="34" charset="0"/>
-                <a:cs typeface="Calibri" panose="020F0502020204030204" pitchFamily="34" charset="0"/>
-                <a:sym typeface="Symbol"/>
-              </a:rPr>
-              <a:t>decremento dell’</a:t>
-            </a:r>
-            <a:r>
-              <a:rPr lang="it-IT" b="1" i="1" dirty="0">
-                <a:solidFill>
-                  <a:srgbClr val="00B050"/>
-                </a:solidFill>
-                <a:latin typeface="Calibri" panose="020F0502020204030204" pitchFamily="34" charset="0"/>
-                <a:cs typeface="Calibri" panose="020F0502020204030204" pitchFamily="34" charset="0"/>
-                <a:sym typeface="Symbol"/>
-              </a:rPr>
-              <a:t>RWC</a:t>
-            </a:r>
-            <a:r>
-              <a:rPr lang="it-IT" dirty="0">
-                <a:solidFill>
-                  <a:srgbClr val="00B050"/>
-                </a:solidFill>
-                <a:latin typeface="Calibri" panose="020F0502020204030204" pitchFamily="34" charset="0"/>
-                <a:cs typeface="Calibri" panose="020F0502020204030204" pitchFamily="34" charset="0"/>
-                <a:sym typeface="Symbol"/>
-              </a:rPr>
-              <a:t> </a:t>
-            </a:r>
-            <a:r>
-              <a:rPr lang="it-IT" dirty="0">
-                <a:latin typeface="Calibri" panose="020F0502020204030204" pitchFamily="34" charset="0"/>
-                <a:cs typeface="Calibri" panose="020F0502020204030204" pitchFamily="34" charset="0"/>
-                <a:sym typeface="Symbol"/>
-              </a:rPr>
-              <a:t>che si otterrebbe se </a:t>
-            </a:r>
-            <a:r>
-              <a:rPr lang="it-IT" b="1" i="1" dirty="0">
-                <a:solidFill>
-                  <a:srgbClr val="00B050"/>
-                </a:solidFill>
-                <a:latin typeface="Calibri" panose="020F0502020204030204" pitchFamily="34" charset="0"/>
-                <a:cs typeface="Calibri" panose="020F0502020204030204" pitchFamily="34" charset="0"/>
-                <a:sym typeface="Symbol"/>
-              </a:rPr>
-              <a:t>e </a:t>
-            </a:r>
-            <a:r>
-              <a:rPr lang="it-IT" dirty="0">
-                <a:latin typeface="Calibri" panose="020F0502020204030204" pitchFamily="34" charset="0"/>
-                <a:cs typeface="Calibri" panose="020F0502020204030204" pitchFamily="34" charset="0"/>
-                <a:sym typeface="Symbol"/>
-              </a:rPr>
-              <a:t>fosse aggiunto al grafo.</a:t>
-            </a:r>
             <a:endParaRPr lang="it-IT" dirty="0">
               <a:latin typeface="Calibri" panose="020F0502020204030204" pitchFamily="34" charset="0"/>
               <a:cs typeface="Calibri" panose="020F0502020204030204" pitchFamily="34" charset="0"/>
@@ -6121,17 +5993,19 @@
           <p:cNvPr id="3" name="Connettore 7 2"/>
           <p:cNvCxnSpPr>
             <a:stCxn id="7" idx="6"/>
-            <a:endCxn id="8" idx="0"/>
+            <a:endCxn id="8" idx="2"/>
           </p:cNvCxnSpPr>
           <p:nvPr/>
         </p:nvCxnSpPr>
         <p:spPr>
           <a:xfrm>
-            <a:off x="755576" y="1104477"/>
-            <a:ext cx="609591" cy="585545"/>
+            <a:off x="2389065" y="1322216"/>
+            <a:ext cx="1439180" cy="210794"/>
           </a:xfrm>
-          <a:prstGeom prst="curvedConnector2">
-            <a:avLst/>
+          <a:prstGeom prst="curvedConnector3">
+            <a:avLst>
+              <a:gd name="adj1" fmla="val 50000"/>
+            </a:avLst>
           </a:prstGeom>
           <a:ln>
             <a:solidFill>
@@ -6163,7 +6037,7 @@
         </p:nvSpPr>
         <p:spPr>
           <a:xfrm>
-            <a:off x="613305" y="1243360"/>
+            <a:off x="2843808" y="1073816"/>
             <a:ext cx="686022" cy="307777"/>
           </a:xfrm>
           <a:prstGeom prst="rect">
@@ -6225,7 +6099,7 @@
         </p:nvSpPr>
         <p:spPr>
           <a:xfrm>
-            <a:off x="467544" y="1009966"/>
+            <a:off x="2101033" y="1227705"/>
             <a:ext cx="288032" cy="189021"/>
           </a:xfrm>
           <a:prstGeom prst="flowChartConnector">
@@ -6271,7 +6145,7 @@
         </p:nvSpPr>
         <p:spPr>
           <a:xfrm>
-            <a:off x="1221151" y="1690022"/>
+            <a:off x="3828245" y="1438499"/>
             <a:ext cx="288032" cy="189021"/>
           </a:xfrm>
           <a:prstGeom prst="flowChartConnector">
@@ -6314,6 +6188,207 @@
               </a:rPr>
               <a:t>y</a:t>
             </a:r>
+          </a:p>
+        </p:txBody>
+      </p:sp>
+      <p:sp>
+        <p:nvSpPr>
+          <p:cNvPr id="16" name="Freccia a destra 15"/>
+          <p:cNvSpPr/>
+          <p:nvPr/>
+        </p:nvSpPr>
+        <p:spPr>
+          <a:xfrm>
+            <a:off x="4355976" y="1203598"/>
+            <a:ext cx="504056" cy="213128"/>
+          </a:xfrm>
+          <a:prstGeom prst="rightArrow">
+            <a:avLst/>
+          </a:prstGeom>
+          <a:gradFill flip="none" rotWithShape="1">
+            <a:gsLst>
+              <a:gs pos="0">
+                <a:schemeClr val="accent1">
+                  <a:tint val="66000"/>
+                  <a:satMod val="160000"/>
+                </a:schemeClr>
+              </a:gs>
+              <a:gs pos="50000">
+                <a:schemeClr val="accent1">
+                  <a:tint val="44500"/>
+                  <a:satMod val="160000"/>
+                </a:schemeClr>
+              </a:gs>
+              <a:gs pos="100000">
+                <a:schemeClr val="accent1">
+                  <a:tint val="23500"/>
+                  <a:satMod val="160000"/>
+                </a:schemeClr>
+              </a:gs>
+            </a:gsLst>
+            <a:lin ang="2700000" scaled="1"/>
+            <a:tileRect/>
+          </a:gradFill>
+        </p:spPr>
+        <p:style>
+          <a:lnRef idx="2">
+            <a:schemeClr val="accent1">
+              <a:shade val="50000"/>
+            </a:schemeClr>
+          </a:lnRef>
+          <a:fillRef idx="1">
+            <a:schemeClr val="accent1"/>
+          </a:fillRef>
+          <a:effectRef idx="0">
+            <a:schemeClr val="accent1"/>
+          </a:effectRef>
+          <a:fontRef idx="minor">
+            <a:schemeClr val="lt1"/>
+          </a:fontRef>
+        </p:style>
+        <p:txBody>
+          <a:bodyPr rtlCol="0" anchor="ctr"/>
+          <a:lstStyle/>
+          <a:p>
+            <a:pPr algn="ctr"/>
+            <a:endParaRPr lang="it-IT"/>
+          </a:p>
+        </p:txBody>
+      </p:sp>
+      <p:sp>
+        <p:nvSpPr>
+          <p:cNvPr id="17" name="CasellaDiTesto 16"/>
+          <p:cNvSpPr txBox="1"/>
+          <p:nvPr/>
+        </p:nvSpPr>
+        <p:spPr>
+          <a:xfrm>
+            <a:off x="5076055" y="978863"/>
+            <a:ext cx="3797771" cy="584775"/>
+          </a:xfrm>
+          <a:prstGeom prst="rect">
+            <a:avLst/>
+          </a:prstGeom>
+          <a:noFill/>
+        </p:spPr>
+        <p:txBody>
+          <a:bodyPr wrap="none" rtlCol="0">
+            <a:spAutoFit/>
+          </a:bodyPr>
+          <a:lstStyle/>
+          <a:p>
+            <a:r>
+              <a:rPr lang="it-IT" sz="1600" dirty="0" smtClean="0">
+                <a:latin typeface="Calibri" pitchFamily="34" charset="0"/>
+                <a:cs typeface="Calibri" pitchFamily="34" charset="0"/>
+              </a:rPr>
+              <a:t>Ad ogni arco </a:t>
+            </a:r>
+            <a:r>
+              <a:rPr lang="it-IT" sz="1600" b="1" i="1" dirty="0" smtClean="0">
+                <a:solidFill>
+                  <a:srgbClr val="00B050"/>
+                </a:solidFill>
+                <a:latin typeface="Calibri" pitchFamily="34" charset="0"/>
+                <a:cs typeface="Calibri" pitchFamily="34" charset="0"/>
+              </a:rPr>
+              <a:t>e</a:t>
+            </a:r>
+            <a:r>
+              <a:rPr lang="it-IT" sz="1600" dirty="0" smtClean="0">
+                <a:latin typeface="Calibri" pitchFamily="34" charset="0"/>
+                <a:cs typeface="Calibri" pitchFamily="34" charset="0"/>
+              </a:rPr>
+              <a:t> è associato il corrispondente</a:t>
+            </a:r>
+          </a:p>
+          <a:p>
+            <a:r>
+              <a:rPr lang="it-IT" sz="1600" b="1" i="1" dirty="0">
+                <a:solidFill>
+                  <a:srgbClr val="00B050"/>
+                </a:solidFill>
+                <a:latin typeface="Calibri" panose="020F0502020204030204" pitchFamily="34" charset="0"/>
+                <a:cs typeface="Calibri" panose="020F0502020204030204" pitchFamily="34" charset="0"/>
+                <a:sym typeface="Symbol"/>
+              </a:rPr>
+              <a:t></a:t>
+            </a:r>
+            <a:r>
+              <a:rPr lang="it-IT" sz="1600" b="1" i="1" dirty="0" err="1" smtClean="0">
+                <a:solidFill>
+                  <a:srgbClr val="00B050"/>
+                </a:solidFill>
+                <a:latin typeface="Calibri" panose="020F0502020204030204" pitchFamily="34" charset="0"/>
+                <a:cs typeface="Calibri" panose="020F0502020204030204" pitchFamily="34" charset="0"/>
+                <a:sym typeface="Symbol"/>
+              </a:rPr>
+              <a:t>RWC</a:t>
+            </a:r>
+            <a:r>
+              <a:rPr lang="it-IT" sz="1600" b="1" i="1" baseline="-25000" dirty="0" err="1" smtClean="0">
+                <a:solidFill>
+                  <a:srgbClr val="00B050"/>
+                </a:solidFill>
+                <a:latin typeface="Calibri" panose="020F0502020204030204" pitchFamily="34" charset="0"/>
+                <a:cs typeface="Calibri" panose="020F0502020204030204" pitchFamily="34" charset="0"/>
+                <a:sym typeface="Symbol"/>
+              </a:rPr>
+              <a:t>e</a:t>
+            </a:r>
+            <a:r>
+              <a:rPr lang="it-IT" sz="1600" dirty="0" smtClean="0">
+                <a:latin typeface="Calibri" pitchFamily="34" charset="0"/>
+                <a:cs typeface="Calibri" pitchFamily="34" charset="0"/>
+                <a:sym typeface="Symbol"/>
+              </a:rPr>
+              <a:t>.</a:t>
+            </a:r>
+            <a:endParaRPr lang="it-IT" sz="1600" dirty="0">
+              <a:latin typeface="Calibri" pitchFamily="34" charset="0"/>
+              <a:cs typeface="Calibri" pitchFamily="34" charset="0"/>
+            </a:endParaRPr>
+          </a:p>
+        </p:txBody>
+      </p:sp>
+      <p:sp>
+        <p:nvSpPr>
+          <p:cNvPr id="18" name="Rettangolo 17"/>
+          <p:cNvSpPr/>
+          <p:nvPr/>
+        </p:nvSpPr>
+        <p:spPr>
+          <a:xfrm>
+            <a:off x="5076055" y="915566"/>
+            <a:ext cx="3744417" cy="792088"/>
+          </a:xfrm>
+          <a:prstGeom prst="rect">
+            <a:avLst/>
+          </a:prstGeom>
+          <a:noFill/>
+        </p:spPr>
+        <p:style>
+          <a:lnRef idx="2">
+            <a:schemeClr val="accent1">
+              <a:shade val="50000"/>
+            </a:schemeClr>
+          </a:lnRef>
+          <a:fillRef idx="1">
+            <a:schemeClr val="accent1"/>
+          </a:fillRef>
+          <a:effectRef idx="0">
+            <a:schemeClr val="accent1"/>
+          </a:effectRef>
+          <a:fontRef idx="minor">
+            <a:schemeClr val="lt1"/>
+          </a:fontRef>
+        </p:style>
+        <p:txBody>
+          <a:bodyPr rtlCol="0" anchor="ctr"/>
+          <a:lstStyle/>
+          <a:p>
+            <a:pPr algn="ctr"/>
+            <a:endParaRPr lang="it-IT"/>
           </a:p>
         </p:txBody>
       </p:sp>
@@ -7065,8 +7140,8 @@
         </p:nvGrpSpPr>
         <p:grpSpPr>
           <a:xfrm>
-            <a:off x="1763688" y="2072948"/>
-            <a:ext cx="6984776" cy="1055493"/>
+            <a:off x="1844916" y="2072948"/>
+            <a:ext cx="6699265" cy="1055493"/>
             <a:chOff x="2408381" y="3473362"/>
             <a:chExt cx="5748793" cy="1090648"/>
           </a:xfrm>
@@ -9907,8 +9982,8 @@
         </p:blipFill>
         <p:spPr bwMode="auto">
           <a:xfrm>
-            <a:off x="2148365" y="2318837"/>
-            <a:ext cx="752475" cy="564356"/>
+            <a:off x="2235349" y="2318837"/>
+            <a:ext cx="680467" cy="564356"/>
           </a:xfrm>
           <a:prstGeom prst="rect">
             <a:avLst/>
@@ -9948,8 +10023,8 @@
         </p:blipFill>
         <p:spPr bwMode="auto">
           <a:xfrm>
-            <a:off x="3371281" y="2241254"/>
-            <a:ext cx="942975" cy="707231"/>
+            <a:off x="3443289" y="2241254"/>
+            <a:ext cx="840679" cy="707231"/>
           </a:xfrm>
           <a:prstGeom prst="rect">
             <a:avLst/>
@@ -9995,7 +10070,7 @@
         </p:blipFill>
         <p:spPr bwMode="auto">
           <a:xfrm>
-            <a:off x="4932040" y="2408308"/>
+            <a:off x="4860032" y="2408308"/>
             <a:ext cx="720080" cy="433472"/>
           </a:xfrm>
           <a:prstGeom prst="rect">
@@ -10036,8 +10111,8 @@
         </p:blipFill>
         <p:spPr bwMode="auto">
           <a:xfrm>
-            <a:off x="6181161" y="2230037"/>
-            <a:ext cx="870875" cy="653156"/>
+            <a:off x="6156176" y="2230037"/>
+            <a:ext cx="798867" cy="653156"/>
           </a:xfrm>
           <a:prstGeom prst="rect">
             <a:avLst/>
@@ -10077,8 +10152,8 @@
         </p:blipFill>
         <p:spPr bwMode="auto">
           <a:xfrm>
-            <a:off x="7676486" y="2357585"/>
-            <a:ext cx="663451" cy="497588"/>
+            <a:off x="7596336" y="2357585"/>
+            <a:ext cx="576064" cy="497588"/>
           </a:xfrm>
           <a:prstGeom prst="rect">
             <a:avLst/>
@@ -10103,7 +10178,7 @@
         </p:nvCxnSpPr>
         <p:spPr>
           <a:xfrm flipV="1">
-            <a:off x="2524601" y="1586893"/>
+            <a:off x="2555776" y="1586893"/>
             <a:ext cx="0" cy="486054"/>
           </a:xfrm>
           <a:prstGeom prst="straightConnector1">
@@ -10136,7 +10211,7 @@
         </p:nvCxnSpPr>
         <p:spPr>
           <a:xfrm>
-            <a:off x="3879593" y="3128441"/>
+            <a:off x="3863628" y="3128441"/>
             <a:ext cx="0" cy="486054"/>
           </a:xfrm>
           <a:prstGeom prst="straightConnector1">
@@ -10172,7 +10247,7 @@
         </p:nvCxnSpPr>
         <p:spPr>
           <a:xfrm flipV="1">
-            <a:off x="5237475" y="1586893"/>
+            <a:off x="5176709" y="1586893"/>
             <a:ext cx="0" cy="486054"/>
           </a:xfrm>
           <a:prstGeom prst="straightConnector1">
@@ -10208,7 +10283,7 @@
         </p:nvCxnSpPr>
         <p:spPr>
           <a:xfrm flipV="1">
-            <a:off x="8008210" y="1586893"/>
+            <a:off x="7821617" y="1586893"/>
             <a:ext cx="0" cy="486054"/>
           </a:xfrm>
           <a:prstGeom prst="straightConnector1">
@@ -10244,7 +10319,7 @@
         </p:nvCxnSpPr>
         <p:spPr>
           <a:xfrm>
-            <a:off x="6627992" y="3127977"/>
+            <a:off x="6516216" y="3128441"/>
             <a:ext cx="0" cy="496678"/>
           </a:xfrm>
           <a:prstGeom prst="straightConnector1">
@@ -10280,7 +10355,7 @@
         </p:nvSpPr>
         <p:spPr>
           <a:xfrm>
-            <a:off x="1979712" y="1113588"/>
+            <a:off x="2015716" y="1113588"/>
             <a:ext cx="1080120" cy="473306"/>
           </a:xfrm>
           <a:prstGeom prst="rect">
@@ -10344,7 +10419,7 @@
         </p:nvSpPr>
         <p:spPr>
           <a:xfrm>
-            <a:off x="3202581" y="3632233"/>
+            <a:off x="3184687" y="3633516"/>
             <a:ext cx="1357882" cy="473306"/>
           </a:xfrm>
           <a:prstGeom prst="rect">
@@ -10430,7 +10505,7 @@
         </p:nvSpPr>
         <p:spPr>
           <a:xfrm>
-            <a:off x="4564321" y="1113588"/>
+            <a:off x="4501625" y="1113588"/>
             <a:ext cx="1350167" cy="473306"/>
           </a:xfrm>
           <a:prstGeom prst="rect">
@@ -10495,7 +10570,7 @@
         </p:nvSpPr>
         <p:spPr>
           <a:xfrm>
-            <a:off x="5652120" y="3631959"/>
+            <a:off x="5544108" y="3631959"/>
             <a:ext cx="1944216" cy="473306"/>
           </a:xfrm>
           <a:prstGeom prst="rect">
@@ -10565,7 +10640,7 @@
         </p:nvSpPr>
         <p:spPr>
           <a:xfrm>
-            <a:off x="7164288" y="1113588"/>
+            <a:off x="6993525" y="1113588"/>
             <a:ext cx="1656184" cy="473306"/>
           </a:xfrm>
           <a:prstGeom prst="rect">
@@ -11557,10 +11632,6 @@
               </a:rPr>
               <a:t>il processo di autenticazione dello sviluppatore presso </a:t>
             </a:r>
-            <a:endParaRPr lang="it-IT" dirty="0">
-              <a:latin typeface="Calibri" panose="020F0502020204030204" pitchFamily="34" charset="0"/>
-              <a:cs typeface="Calibri" panose="020F0502020204030204" pitchFamily="34" charset="0"/>
-            </a:endParaRPr>
           </a:p>
           <a:p>
             <a:pPr algn="just"/>
@@ -12317,15 +12388,7 @@
                 <a:cs typeface="Calibri" panose="020F0502020204030204" pitchFamily="34" charset="0"/>
                 <a:sym typeface="Wingdings" panose="05000000000000000000" pitchFamily="2" charset="2"/>
               </a:rPr>
-              <a:t>Si r</a:t>
-            </a:r>
-            <a:r>
-              <a:rPr lang="it-IT" dirty="0" smtClean="0">
-                <a:latin typeface="Calibri" panose="020F0502020204030204" pitchFamily="34" charset="0"/>
-                <a:cs typeface="Calibri" panose="020F0502020204030204" pitchFamily="34" charset="0"/>
-                <a:sym typeface="Wingdings" panose="05000000000000000000" pitchFamily="2" charset="2"/>
-              </a:rPr>
-              <a:t>iesce </a:t>
+              <a:t>Si riesce </a:t>
             </a:r>
             <a:r>
               <a:rPr lang="it-IT" dirty="0">
@@ -12953,201 +13016,6 @@
           </a:fontRef>
         </p:style>
       </p:cxnSp>
-      <p:sp>
-        <p:nvSpPr>
-          <p:cNvPr id="11" name="Parentesi graffa aperta 10">
-            <a:extLst>
-              <a:ext uri="{FF2B5EF4-FFF2-40B4-BE49-F238E27FC236}">
-                <a16:creationId xmlns="" xmlns:a16="http://schemas.microsoft.com/office/drawing/2014/main" id="{4ED9291E-6287-4A3B-82B7-D09C06EE3A91}"/>
-              </a:ext>
-            </a:extLst>
-          </p:cNvPr>
-          <p:cNvSpPr/>
-          <p:nvPr/>
-        </p:nvSpPr>
-        <p:spPr>
-          <a:xfrm>
-            <a:off x="1619673" y="2607754"/>
-            <a:ext cx="504053" cy="756084"/>
-          </a:xfrm>
-          <a:prstGeom prst="leftBrace">
-            <a:avLst/>
-          </a:prstGeom>
-        </p:spPr>
-        <p:style>
-          <a:lnRef idx="2">
-            <a:schemeClr val="accent1"/>
-          </a:lnRef>
-          <a:fillRef idx="0">
-            <a:schemeClr val="accent1"/>
-          </a:fillRef>
-          <a:effectRef idx="1">
-            <a:schemeClr val="accent1"/>
-          </a:effectRef>
-          <a:fontRef idx="minor">
-            <a:schemeClr val="tx1"/>
-          </a:fontRef>
-        </p:style>
-        <p:txBody>
-          <a:bodyPr rtlCol="0" anchor="ctr"/>
-          <a:lstStyle/>
-          <a:p>
-            <a:pPr algn="ctr"/>
-            <a:endParaRPr lang="it-IT"/>
-          </a:p>
-        </p:txBody>
-      </p:sp>
-      <p:sp>
-        <p:nvSpPr>
-          <p:cNvPr id="12" name="Parentesi graffa aperta 11">
-            <a:extLst>
-              <a:ext uri="{FF2B5EF4-FFF2-40B4-BE49-F238E27FC236}">
-                <a16:creationId xmlns="" xmlns:a16="http://schemas.microsoft.com/office/drawing/2014/main" id="{9A10EE08-33EC-4F79-BE5F-8C8EC7C3BC50}"/>
-              </a:ext>
-            </a:extLst>
-          </p:cNvPr>
-          <p:cNvSpPr/>
-          <p:nvPr/>
-        </p:nvSpPr>
-        <p:spPr>
-          <a:xfrm>
-            <a:off x="1907722" y="3579862"/>
-            <a:ext cx="288015" cy="648072"/>
-          </a:xfrm>
-          <a:prstGeom prst="leftBrace">
-            <a:avLst/>
-          </a:prstGeom>
-        </p:spPr>
-        <p:style>
-          <a:lnRef idx="2">
-            <a:schemeClr val="accent1"/>
-          </a:lnRef>
-          <a:fillRef idx="0">
-            <a:schemeClr val="accent1"/>
-          </a:fillRef>
-          <a:effectRef idx="1">
-            <a:schemeClr val="accent1"/>
-          </a:effectRef>
-          <a:fontRef idx="minor">
-            <a:schemeClr val="tx1"/>
-          </a:fontRef>
-        </p:style>
-        <p:txBody>
-          <a:bodyPr rtlCol="0" anchor="ctr"/>
-          <a:lstStyle/>
-          <a:p>
-            <a:pPr algn="ctr"/>
-            <a:endParaRPr lang="it-IT"/>
-          </a:p>
-        </p:txBody>
-      </p:sp>
-      <p:sp>
-        <p:nvSpPr>
-          <p:cNvPr id="13" name="CasellaDiTesto 12">
-            <a:extLst>
-              <a:ext uri="{FF2B5EF4-FFF2-40B4-BE49-F238E27FC236}">
-                <a16:creationId xmlns="" xmlns:a16="http://schemas.microsoft.com/office/drawing/2014/main" id="{3F838B8A-4711-4B54-9062-A9BE7F635107}"/>
-              </a:ext>
-            </a:extLst>
-          </p:cNvPr>
-          <p:cNvSpPr txBox="1"/>
-          <p:nvPr/>
-        </p:nvSpPr>
-        <p:spPr>
-          <a:xfrm>
-            <a:off x="230382" y="2737252"/>
-            <a:ext cx="1381660" cy="338554"/>
-          </a:xfrm>
-          <a:prstGeom prst="rect">
-            <a:avLst/>
-          </a:prstGeom>
-          <a:noFill/>
-        </p:spPr>
-        <p:txBody>
-          <a:bodyPr wrap="none" rtlCol="0">
-            <a:spAutoFit/>
-          </a:bodyPr>
-          <a:lstStyle/>
-          <a:p>
-            <a:r>
-              <a:rPr lang="it-IT" sz="1600" b="1" i="1" dirty="0" err="1">
-                <a:latin typeface="Calibri" panose="020F0502020204030204" pitchFamily="34" charset="0"/>
-                <a:cs typeface="Calibri" panose="020F0502020204030204" pitchFamily="34" charset="0"/>
-              </a:rPr>
-              <a:t>GetOldTweets</a:t>
-            </a:r>
-            <a:endParaRPr lang="it-IT" sz="1600" b="1" i="1" dirty="0">
-              <a:latin typeface="Calibri" panose="020F0502020204030204" pitchFamily="34" charset="0"/>
-              <a:cs typeface="Calibri" panose="020F0502020204030204" pitchFamily="34" charset="0"/>
-            </a:endParaRPr>
-          </a:p>
-        </p:txBody>
-      </p:sp>
-      <p:sp>
-        <p:nvSpPr>
-          <p:cNvPr id="14" name="CasellaDiTesto 13">
-            <a:extLst>
-              <a:ext uri="{FF2B5EF4-FFF2-40B4-BE49-F238E27FC236}">
-                <a16:creationId xmlns="" xmlns:a16="http://schemas.microsoft.com/office/drawing/2014/main" id="{6075593A-FB72-4CCB-8CFA-16377A06B598}"/>
-              </a:ext>
-            </a:extLst>
-          </p:cNvPr>
-          <p:cNvSpPr txBox="1"/>
-          <p:nvPr/>
-        </p:nvSpPr>
-        <p:spPr>
-          <a:xfrm>
-            <a:off x="689614" y="3571151"/>
-            <a:ext cx="1218090" cy="584775"/>
-          </a:xfrm>
-          <a:prstGeom prst="rect">
-            <a:avLst/>
-          </a:prstGeom>
-          <a:noFill/>
-        </p:spPr>
-        <p:txBody>
-          <a:bodyPr wrap="none" rtlCol="0">
-            <a:spAutoFit/>
-          </a:bodyPr>
-          <a:lstStyle/>
-          <a:p>
-            <a:r>
-              <a:rPr lang="it-IT" sz="1600" b="1" i="1" dirty="0">
-                <a:latin typeface="Calibri" panose="020F0502020204030204" pitchFamily="34" charset="0"/>
-                <a:cs typeface="Calibri" panose="020F0502020204030204" pitchFamily="34" charset="0"/>
-              </a:rPr>
-              <a:t>API </a:t>
-            </a:r>
-            <a:r>
-              <a:rPr lang="it-IT" sz="1600" b="1" i="1" dirty="0" err="1" smtClean="0">
-                <a:latin typeface="Calibri" panose="020F0502020204030204" pitchFamily="34" charset="0"/>
-                <a:cs typeface="Calibri" panose="020F0502020204030204" pitchFamily="34" charset="0"/>
-              </a:rPr>
-              <a:t>Twitter</a:t>
-            </a:r>
-            <a:r>
-              <a:rPr lang="it-IT" sz="1600" b="1" i="1" dirty="0" smtClean="0">
-                <a:latin typeface="Calibri" panose="020F0502020204030204" pitchFamily="34" charset="0"/>
-                <a:cs typeface="Calibri" panose="020F0502020204030204" pitchFamily="34" charset="0"/>
-              </a:rPr>
-              <a:t>/</a:t>
-            </a:r>
-          </a:p>
-          <a:p>
-            <a:r>
-              <a:rPr lang="it-IT" sz="1600" b="1" i="1" dirty="0" err="1" smtClean="0">
-                <a:latin typeface="Calibri" panose="020F0502020204030204" pitchFamily="34" charset="0"/>
-                <a:cs typeface="Calibri" panose="020F0502020204030204" pitchFamily="34" charset="0"/>
-              </a:rPr>
-              <a:t>Tweepy</a:t>
-            </a:r>
-            <a:endParaRPr lang="it-IT" sz="1600" b="1" i="1" dirty="0">
-              <a:latin typeface="Calibri" panose="020F0502020204030204" pitchFamily="34" charset="0"/>
-              <a:cs typeface="Calibri" panose="020F0502020204030204" pitchFamily="34" charset="0"/>
-            </a:endParaRPr>
-          </a:p>
-        </p:txBody>
-      </p:sp>
     </p:spTree>
     <p:extLst>
       <p:ext uri="{BB962C8B-B14F-4D97-AF65-F5344CB8AC3E}">
@@ -30502,8 +30370,8 @@
         </p:blipFill>
         <p:spPr bwMode="auto">
           <a:xfrm>
-            <a:off x="2411760" y="1799987"/>
-            <a:ext cx="5324224" cy="3220035"/>
+            <a:off x="2483768" y="1799987"/>
+            <a:ext cx="5108200" cy="3220035"/>
           </a:xfrm>
           <a:prstGeom prst="rect">
             <a:avLst/>
@@ -33187,7 +33055,7 @@
               </a:p>
               <a:p>
                 <a:r>
-                  <a:rPr lang="it-IT" b="1" u="sng" dirty="0" smtClean="0">
+                  <a:rPr lang="it-IT" b="1" dirty="0" smtClean="0">
                     <a:latin typeface="Calibri" pitchFamily="34" charset="0"/>
                     <a:cs typeface="Calibri" pitchFamily="34" charset="0"/>
                   </a:rPr>
@@ -33939,11 +33807,18 @@
           <a:p>
             <a:pPr algn="just"/>
             <a:r>
+              <a:rPr lang="it-IT" dirty="0" smtClean="0">
+                <a:latin typeface="Calibri" pitchFamily="34" charset="0"/>
+                <a:cs typeface="Calibri" pitchFamily="34" charset="0"/>
+              </a:rPr>
+              <a:t>     </a:t>
+            </a:r>
+            <a:r>
               <a:rPr lang="it-IT" u="sng" dirty="0" smtClean="0">
                 <a:latin typeface="Calibri" pitchFamily="34" charset="0"/>
                 <a:cs typeface="Calibri" pitchFamily="34" charset="0"/>
               </a:rPr>
-              <a:t>     alla quale appartiene</a:t>
+              <a:t>alla quale appartiene</a:t>
             </a:r>
             <a:r>
               <a:rPr lang="it-IT" dirty="0" smtClean="0">
@@ -35648,21 +35523,35 @@
           <a:p>
             <a:pPr algn="just"/>
             <a:r>
+              <a:rPr lang="it-IT" i="1" dirty="0">
+                <a:latin typeface="Calibri" pitchFamily="34" charset="0"/>
+                <a:cs typeface="Calibri" pitchFamily="34" charset="0"/>
+              </a:rPr>
+              <a:t>     </a:t>
+            </a:r>
+            <a:r>
               <a:rPr lang="it-IT" i="1" u="sng" dirty="0">
                 <a:latin typeface="Calibri" pitchFamily="34" charset="0"/>
                 <a:cs typeface="Calibri" pitchFamily="34" charset="0"/>
               </a:rPr>
-              <a:t>     lo stesso parere e che rafforzano la propria opinione in modo reciproco, </a:t>
+              <a:t>lo stesso parere e che rafforzano la propria opinione in modo reciproco, </a:t>
             </a:r>
           </a:p>
           <a:p>
             <a:pPr algn="just"/>
             <a:r>
+              <a:rPr lang="it-IT" i="1" dirty="0">
+                <a:latin typeface="Calibri" pitchFamily="34" charset="0"/>
+                <a:cs typeface="Calibri" pitchFamily="34" charset="0"/>
+              </a:rPr>
+              <a:t>     </a:t>
+            </a:r>
+            <a:r>
               <a:rPr lang="it-IT" i="1" u="sng" dirty="0">
                 <a:latin typeface="Calibri" pitchFamily="34" charset="0"/>
                 <a:cs typeface="Calibri" pitchFamily="34" charset="0"/>
               </a:rPr>
-              <a:t>     non essendo però esposti a punti di vista diversi dal proprio</a:t>
+              <a:t>non essendo però esposti a punti di vista diversi dal proprio</a:t>
             </a:r>
             <a:r>
               <a:rPr lang="it-IT" dirty="0">
@@ -38714,7 +38603,7 @@
               <a:p>
                 <a:pPr algn="just"/>
                 <a:r>
-                  <a:rPr lang="it-IT" b="1" i="1" u="sng" dirty="0">
+                  <a:rPr lang="it-IT" b="1" i="1" dirty="0">
                     <a:solidFill>
                       <a:srgbClr val="C00000"/>
                     </a:solidFill>
@@ -38725,6 +38614,17 @@
                   <a:t> </a:t>
                 </a:r>
                 <a:r>
+                  <a:rPr lang="it-IT" b="1" i="1" dirty="0" smtClean="0">
+                    <a:solidFill>
+                      <a:srgbClr val="C00000"/>
+                    </a:solidFill>
+                    <a:latin typeface="Calibri" panose="020F0502020204030204" pitchFamily="34" charset="0"/>
+                    <a:cs typeface="Calibri" panose="020F0502020204030204" pitchFamily="34" charset="0"/>
+                    <a:sym typeface="Symbol"/>
+                  </a:rPr>
+                  <a:t>    </a:t>
+                </a:r>
+                <a:r>
                   <a:rPr lang="it-IT" b="1" i="1" u="sng" dirty="0" smtClean="0">
                     <a:solidFill>
                       <a:srgbClr val="C00000"/>
@@ -38733,7 +38633,7 @@
                     <a:cs typeface="Calibri" panose="020F0502020204030204" pitchFamily="34" charset="0"/>
                     <a:sym typeface="Symbol"/>
                   </a:rPr>
-                  <a:t>    di accettazione </a:t>
+                  <a:t>di accettazione </a:t>
                 </a:r>
                 <a:r>
                   <a:rPr lang="it-IT" b="1" i="1" dirty="0" smtClean="0">
@@ -40062,7 +39962,7 @@
         </p:blipFill>
         <p:spPr bwMode="auto">
           <a:xfrm>
-            <a:off x="2483769" y="1365074"/>
+            <a:off x="2699793" y="1419622"/>
             <a:ext cx="5328591" cy="2908751"/>
           </a:xfrm>
           <a:prstGeom prst="rect">
@@ -40173,7 +40073,7 @@
         </p:nvCxnSpPr>
         <p:spPr>
           <a:xfrm flipH="1">
-            <a:off x="2051720" y="2949793"/>
+            <a:off x="2555776" y="2949793"/>
             <a:ext cx="1080120" cy="324035"/>
           </a:xfrm>
           <a:prstGeom prst="straightConnector1">
@@ -40212,7 +40112,7 @@
         </p:nvSpPr>
         <p:spPr>
           <a:xfrm>
-            <a:off x="1187624" y="3273828"/>
+            <a:off x="1691680" y="3273828"/>
             <a:ext cx="1728192" cy="510008"/>
           </a:xfrm>
           <a:prstGeom prst="rect">
@@ -40303,7 +40203,7 @@
         </p:nvSpPr>
         <p:spPr>
           <a:xfrm>
-            <a:off x="7020272" y="3417291"/>
+            <a:off x="7236296" y="3285878"/>
             <a:ext cx="1728192" cy="510008"/>
           </a:xfrm>
           <a:prstGeom prst="rect">
@@ -40401,7 +40301,7 @@
         </p:nvCxnSpPr>
         <p:spPr>
           <a:xfrm>
-            <a:off x="7020272" y="3093256"/>
+            <a:off x="7236296" y="2961843"/>
             <a:ext cx="864096" cy="324035"/>
           </a:xfrm>
           <a:prstGeom prst="straightConnector1">

--- a/PRESENTAZIONE_TESI/presentazione_agostini_stefano_16_9.pptx
+++ b/PRESENTAZIONE_TESI/presentazione_agostini_stefano_16_9.pptx
@@ -288,7 +288,7 @@
           <a:p>
             <a:fld id="{D9998136-BDF3-4CD5-9A25-953B69557AFC}" type="datetimeFigureOut">
               <a:rPr lang="it-IT" smtClean="0"/>
-              <a:t>17/07/2018</a:t>
+              <a:t>18/07/2018</a:t>
             </a:fld>
             <a:endParaRPr lang="it-IT"/>
           </a:p>
@@ -746,7 +746,7 @@
           <a:p>
             <a:fld id="{18DCCD61-643D-44A5-A450-3A42A50CBC1E}" type="datetimeFigureOut">
               <a:rPr lang="en-US" smtClean="0"/>
-              <a:t>7/17/2018</a:t>
+              <a:t>7/18/2018</a:t>
             </a:fld>
             <a:endParaRPr lang="en-US" dirty="0"/>
           </a:p>
@@ -1021,7 +1021,7 @@
           <a:p>
             <a:fld id="{18DCCD61-643D-44A5-A450-3A42A50CBC1E}" type="datetimeFigureOut">
               <a:rPr lang="en-US" smtClean="0"/>
-              <a:t>7/17/2018</a:t>
+              <a:t>7/18/2018</a:t>
             </a:fld>
             <a:endParaRPr lang="en-US" dirty="0"/>
           </a:p>
@@ -1273,7 +1273,7 @@
           <a:p>
             <a:fld id="{18DCCD61-643D-44A5-A450-3A42A50CBC1E}" type="datetimeFigureOut">
               <a:rPr lang="en-US" smtClean="0"/>
-              <a:t>7/17/2018</a:t>
+              <a:t>7/18/2018</a:t>
             </a:fld>
             <a:endParaRPr lang="en-US" dirty="0"/>
           </a:p>
@@ -1441,7 +1441,7 @@
           <a:p>
             <a:fld id="{18DCCD61-643D-44A5-A450-3A42A50CBC1E}" type="datetimeFigureOut">
               <a:rPr lang="en-US" smtClean="0"/>
-              <a:t>7/17/2018</a:t>
+              <a:t>7/18/2018</a:t>
             </a:fld>
             <a:endParaRPr lang="en-US" dirty="0"/>
           </a:p>
@@ -1619,7 +1619,7 @@
           <a:p>
             <a:fld id="{18DCCD61-643D-44A5-A450-3A42A50CBC1E}" type="datetimeFigureOut">
               <a:rPr lang="en-US" smtClean="0"/>
-              <a:t>7/17/2018</a:t>
+              <a:t>7/18/2018</a:t>
             </a:fld>
             <a:endParaRPr lang="en-US" dirty="0"/>
           </a:p>
@@ -2207,7 +2207,7 @@
           <a:p>
             <a:fld id="{18DCCD61-643D-44A5-A450-3A42A50CBC1E}" type="datetimeFigureOut">
               <a:rPr lang="en-US" smtClean="0"/>
-              <a:t>7/17/2018</a:t>
+              <a:t>7/18/2018</a:t>
             </a:fld>
             <a:endParaRPr lang="en-US" dirty="0"/>
           </a:p>
@@ -2375,7 +2375,7 @@
           <a:p>
             <a:fld id="{18DCCD61-643D-44A5-A450-3A42A50CBC1E}" type="datetimeFigureOut">
               <a:rPr lang="en-US" smtClean="0"/>
-              <a:t>7/17/2018</a:t>
+              <a:t>7/18/2018</a:t>
             </a:fld>
             <a:endParaRPr lang="en-US" dirty="0"/>
           </a:p>
@@ -2620,7 +2620,7 @@
           <a:p>
             <a:fld id="{18DCCD61-643D-44A5-A450-3A42A50CBC1E}" type="datetimeFigureOut">
               <a:rPr lang="en-US" smtClean="0"/>
-              <a:t>7/17/2018</a:t>
+              <a:t>7/18/2018</a:t>
             </a:fld>
             <a:endParaRPr lang="en-US" dirty="0"/>
           </a:p>
@@ -2905,7 +2905,7 @@
           <a:p>
             <a:fld id="{18DCCD61-643D-44A5-A450-3A42A50CBC1E}" type="datetimeFigureOut">
               <a:rPr lang="en-US" smtClean="0"/>
-              <a:t>7/17/2018</a:t>
+              <a:t>7/18/2018</a:t>
             </a:fld>
             <a:endParaRPr lang="en-US" dirty="0"/>
           </a:p>
@@ -3324,7 +3324,7 @@
           <a:p>
             <a:fld id="{18DCCD61-643D-44A5-A450-3A42A50CBC1E}" type="datetimeFigureOut">
               <a:rPr lang="en-US" smtClean="0"/>
-              <a:t>7/17/2018</a:t>
+              <a:t>7/18/2018</a:t>
             </a:fld>
             <a:endParaRPr lang="en-US" dirty="0"/>
           </a:p>
@@ -3441,7 +3441,7 @@
           <a:p>
             <a:fld id="{18DCCD61-643D-44A5-A450-3A42A50CBC1E}" type="datetimeFigureOut">
               <a:rPr lang="en-US" smtClean="0"/>
-              <a:t>7/17/2018</a:t>
+              <a:t>7/18/2018</a:t>
             </a:fld>
             <a:endParaRPr lang="en-US" dirty="0"/>
           </a:p>
@@ -3943,7 +3943,7 @@
           <a:p>
             <a:fld id="{18DCCD61-643D-44A5-A450-3A42A50CBC1E}" type="datetimeFigureOut">
               <a:rPr lang="en-US" smtClean="0"/>
-              <a:t>7/17/2018</a:t>
+              <a:t>7/18/2018</a:t>
             </a:fld>
             <a:endParaRPr lang="en-US" dirty="0"/>
           </a:p>
@@ -34461,7 +34461,7 @@
               <a:buChar char="•"/>
             </a:pPr>
             <a:r>
-              <a:rPr lang="it-IT" b="1" i="1" dirty="0">
+              <a:rPr lang="it-IT" b="1" i="1" dirty="0" smtClean="0">
                 <a:latin typeface="Calibri" pitchFamily="34" charset="0"/>
                 <a:cs typeface="Calibri" pitchFamily="34" charset="0"/>
               </a:rPr>
@@ -34472,10 +34472,10 @@
                 <a:latin typeface="Calibri" pitchFamily="34" charset="0"/>
                 <a:cs typeface="Calibri" pitchFamily="34" charset="0"/>
               </a:rPr>
-              <a:t>1</a:t>
-            </a:r>
-            <a:r>
-              <a:rPr lang="it-IT" baseline="-25000" dirty="0">
+              <a:t>2</a:t>
+            </a:r>
+            <a:r>
+              <a:rPr lang="it-IT" baseline="-25000" dirty="0" smtClean="0">
                 <a:latin typeface="Calibri" pitchFamily="34" charset="0"/>
                 <a:cs typeface="Calibri" pitchFamily="34" charset="0"/>
               </a:rPr>
